--- a/Chapter4_MultiAPR/Chapter4Figs/Training/trainingSystem.pptx
+++ b/Chapter4_MultiAPR/Chapter4Figs/Training/trainingSystem.pptx
@@ -291,7 +291,7 @@
             <a:fld id="{85ECBBF9-65E0-461E-9263-277D39215B94}" type="datetimeFigureOut">
               <a:rPr lang="en-US" smtClean="0"/>
               <a:pPr/>
-              <a:t>11/3/2013</a:t>
+              <a:t>11/4/2013</a:t>
             </a:fld>
             <a:endParaRPr lang="en-US"/>
           </a:p>
@@ -458,7 +458,7 @@
             <a:fld id="{85ECBBF9-65E0-461E-9263-277D39215B94}" type="datetimeFigureOut">
               <a:rPr lang="en-US" smtClean="0"/>
               <a:pPr/>
-              <a:t>11/3/2013</a:t>
+              <a:t>11/4/2013</a:t>
             </a:fld>
             <a:endParaRPr lang="en-US"/>
           </a:p>
@@ -635,7 +635,7 @@
             <a:fld id="{85ECBBF9-65E0-461E-9263-277D39215B94}" type="datetimeFigureOut">
               <a:rPr lang="en-US" smtClean="0"/>
               <a:pPr/>
-              <a:t>11/3/2013</a:t>
+              <a:t>11/4/2013</a:t>
             </a:fld>
             <a:endParaRPr lang="en-US"/>
           </a:p>
@@ -802,7 +802,7 @@
             <a:fld id="{85ECBBF9-65E0-461E-9263-277D39215B94}" type="datetimeFigureOut">
               <a:rPr lang="en-US" smtClean="0"/>
               <a:pPr/>
-              <a:t>11/3/2013</a:t>
+              <a:t>11/4/2013</a:t>
             </a:fld>
             <a:endParaRPr lang="en-US"/>
           </a:p>
@@ -1045,7 +1045,7 @@
             <a:fld id="{85ECBBF9-65E0-461E-9263-277D39215B94}" type="datetimeFigureOut">
               <a:rPr lang="en-US" smtClean="0"/>
               <a:pPr/>
-              <a:t>11/3/2013</a:t>
+              <a:t>11/4/2013</a:t>
             </a:fld>
             <a:endParaRPr lang="en-US"/>
           </a:p>
@@ -1330,7 +1330,7 @@
             <a:fld id="{85ECBBF9-65E0-461E-9263-277D39215B94}" type="datetimeFigureOut">
               <a:rPr lang="en-US" smtClean="0"/>
               <a:pPr/>
-              <a:t>11/3/2013</a:t>
+              <a:t>11/4/2013</a:t>
             </a:fld>
             <a:endParaRPr lang="en-US"/>
           </a:p>
@@ -1749,7 +1749,7 @@
             <a:fld id="{85ECBBF9-65E0-461E-9263-277D39215B94}" type="datetimeFigureOut">
               <a:rPr lang="en-US" smtClean="0"/>
               <a:pPr/>
-              <a:t>11/3/2013</a:t>
+              <a:t>11/4/2013</a:t>
             </a:fld>
             <a:endParaRPr lang="en-US"/>
           </a:p>
@@ -1864,7 +1864,7 @@
             <a:fld id="{85ECBBF9-65E0-461E-9263-277D39215B94}" type="datetimeFigureOut">
               <a:rPr lang="en-US" smtClean="0"/>
               <a:pPr/>
-              <a:t>11/3/2013</a:t>
+              <a:t>11/4/2013</a:t>
             </a:fld>
             <a:endParaRPr lang="en-US"/>
           </a:p>
@@ -1956,7 +1956,7 @@
             <a:fld id="{85ECBBF9-65E0-461E-9263-277D39215B94}" type="datetimeFigureOut">
               <a:rPr lang="en-US" smtClean="0"/>
               <a:pPr/>
-              <a:t>11/3/2013</a:t>
+              <a:t>11/4/2013</a:t>
             </a:fld>
             <a:endParaRPr lang="en-US"/>
           </a:p>
@@ -2230,7 +2230,7 @@
             <a:fld id="{85ECBBF9-65E0-461E-9263-277D39215B94}" type="datetimeFigureOut">
               <a:rPr lang="en-US" smtClean="0"/>
               <a:pPr/>
-              <a:t>11/3/2013</a:t>
+              <a:t>11/4/2013</a:t>
             </a:fld>
             <a:endParaRPr lang="en-US"/>
           </a:p>
@@ -2480,7 +2480,7 @@
             <a:fld id="{85ECBBF9-65E0-461E-9263-277D39215B94}" type="datetimeFigureOut">
               <a:rPr lang="en-US" smtClean="0"/>
               <a:pPr/>
-              <a:t>11/3/2013</a:t>
+              <a:t>11/4/2013</a:t>
             </a:fld>
             <a:endParaRPr lang="en-US"/>
           </a:p>
@@ -2690,7 +2690,7 @@
             <a:fld id="{85ECBBF9-65E0-461E-9263-277D39215B94}" type="datetimeFigureOut">
               <a:rPr lang="en-US" smtClean="0"/>
               <a:pPr/>
-              <a:t>11/3/2013</a:t>
+              <a:t>11/4/2013</a:t>
             </a:fld>
             <a:endParaRPr lang="en-US"/>
           </a:p>
@@ -3069,7 +3069,7 @@
         </p:nvGrpSpPr>
         <p:grpSpPr>
           <a:xfrm>
-            <a:off x="1547664" y="1196752"/>
+            <a:off x="971600" y="1124744"/>
             <a:ext cx="1800200" cy="864096"/>
             <a:chOff x="4283968" y="476672"/>
             <a:chExt cx="1800200" cy="864096"/>
@@ -3158,7 +3158,7 @@
         </p:nvGrpSpPr>
         <p:grpSpPr>
           <a:xfrm>
-            <a:off x="1259632" y="779229"/>
+            <a:off x="683568" y="707221"/>
             <a:ext cx="1800200" cy="864096"/>
             <a:chOff x="4283968" y="476672"/>
             <a:chExt cx="1800200" cy="864096"/>
@@ -3247,7 +3247,7 @@
         </p:nvGrpSpPr>
         <p:grpSpPr>
           <a:xfrm rot="18900000">
-            <a:off x="1409530" y="1696462"/>
+            <a:off x="833466" y="1624454"/>
             <a:ext cx="45719" cy="239241"/>
             <a:chOff x="3635896" y="2276872"/>
             <a:chExt cx="72008" cy="376808"/>
@@ -3400,7 +3400,7 @@
         </p:nvGrpSpPr>
         <p:grpSpPr>
           <a:xfrm>
-            <a:off x="1115616" y="2204864"/>
+            <a:off x="539552" y="2132856"/>
             <a:ext cx="2232248" cy="1296144"/>
             <a:chOff x="1115616" y="2060848"/>
             <a:chExt cx="2232248" cy="1296144"/>
@@ -3835,7 +3835,7 @@
         </p:nvGrpSpPr>
         <p:grpSpPr>
           <a:xfrm>
-            <a:off x="1115616" y="4005064"/>
+            <a:off x="539552" y="3933056"/>
             <a:ext cx="2232248" cy="1296144"/>
             <a:chOff x="4860032" y="2420888"/>
             <a:chExt cx="2232248" cy="1296144"/>
@@ -4270,7 +4270,7 @@
         </p:nvGrpSpPr>
         <p:grpSpPr>
           <a:xfrm>
-            <a:off x="1907704" y="3573016"/>
+            <a:off x="1331640" y="3501008"/>
             <a:ext cx="45719" cy="333751"/>
             <a:chOff x="1403648" y="2087137"/>
             <a:chExt cx="45719" cy="333751"/>
@@ -4432,7 +4432,7 @@
         </p:blipFill>
         <p:spPr bwMode="auto">
           <a:xfrm>
-            <a:off x="6588224" y="484121"/>
+            <a:off x="6012160" y="412113"/>
             <a:ext cx="1584176" cy="928655"/>
           </a:xfrm>
           <a:prstGeom prst="rect">
@@ -4458,7 +4458,7 @@
         </p:blipFill>
         <p:spPr bwMode="auto">
           <a:xfrm>
-            <a:off x="3995936" y="4005064"/>
+            <a:off x="3419872" y="3933056"/>
             <a:ext cx="1584176" cy="1008112"/>
           </a:xfrm>
           <a:prstGeom prst="rect">
@@ -4484,7 +4484,7 @@
         </p:blipFill>
         <p:spPr bwMode="auto">
           <a:xfrm>
-            <a:off x="6588224" y="4005064"/>
+            <a:off x="6012160" y="3933056"/>
             <a:ext cx="1584176" cy="1008112"/>
           </a:xfrm>
           <a:prstGeom prst="rect">
@@ -4510,7 +4510,7 @@
         </p:blipFill>
         <p:spPr bwMode="auto">
           <a:xfrm>
-            <a:off x="6588224" y="2348880"/>
+            <a:off x="6012160" y="2276872"/>
             <a:ext cx="1584176" cy="792088"/>
           </a:xfrm>
           <a:prstGeom prst="rect">
@@ -4536,7 +4536,7 @@
         </p:blipFill>
         <p:spPr bwMode="auto">
           <a:xfrm>
-            <a:off x="3995936" y="476672"/>
+            <a:off x="3419872" y="404664"/>
             <a:ext cx="1584176" cy="936104"/>
           </a:xfrm>
           <a:prstGeom prst="rect">
@@ -4562,7 +4562,7 @@
         </p:blipFill>
         <p:spPr bwMode="auto">
           <a:xfrm>
-            <a:off x="3995936" y="2276872"/>
+            <a:off x="3419872" y="2204864"/>
             <a:ext cx="1584176" cy="888214"/>
           </a:xfrm>
           <a:prstGeom prst="rect">
@@ -4579,7 +4579,7 @@
         </p:nvGrpSpPr>
         <p:grpSpPr>
           <a:xfrm>
-            <a:off x="4572000" y="3573016"/>
+            <a:off x="3995936" y="3501008"/>
             <a:ext cx="45719" cy="333751"/>
             <a:chOff x="1403648" y="2087137"/>
             <a:chExt cx="45719" cy="333751"/>
@@ -4732,7 +4732,7 @@
         </p:nvGrpSpPr>
         <p:grpSpPr>
           <a:xfrm>
-            <a:off x="7164288" y="3573016"/>
+            <a:off x="6588224" y="3501008"/>
             <a:ext cx="45719" cy="333751"/>
             <a:chOff x="1403648" y="2087137"/>
             <a:chExt cx="45719" cy="333751"/>
@@ -4885,7 +4885,7 @@
         </p:nvGrpSpPr>
         <p:grpSpPr>
           <a:xfrm rot="16200000">
-            <a:off x="6084168" y="692696"/>
+            <a:off x="5508104" y="620688"/>
             <a:ext cx="45719" cy="333751"/>
             <a:chOff x="1403648" y="2087137"/>
             <a:chExt cx="45719" cy="333751"/>
@@ -5038,7 +5038,7 @@
         </p:nvGrpSpPr>
         <p:grpSpPr>
           <a:xfrm rot="16200000">
-            <a:off x="6084168" y="2492896"/>
+            <a:off x="5508104" y="2420888"/>
             <a:ext cx="45719" cy="333751"/>
             <a:chOff x="1403648" y="2087137"/>
             <a:chExt cx="45719" cy="333751"/>
@@ -5191,7 +5191,7 @@
         </p:nvGrpSpPr>
         <p:grpSpPr>
           <a:xfrm rot="16200000">
-            <a:off x="6084168" y="4293096"/>
+            <a:off x="5508104" y="4221088"/>
             <a:ext cx="45719" cy="333751"/>
             <a:chOff x="1403648" y="2087137"/>
             <a:chExt cx="45719" cy="333751"/>
@@ -5344,7 +5344,7 @@
         </p:nvSpPr>
         <p:spPr>
           <a:xfrm>
-            <a:off x="6516216" y="404664"/>
+            <a:off x="5940152" y="332656"/>
             <a:ext cx="1800200" cy="1008112"/>
           </a:xfrm>
           <a:prstGeom prst="rect">
@@ -5391,7 +5391,7 @@
         </p:nvSpPr>
         <p:spPr>
           <a:xfrm>
-            <a:off x="3995936" y="404664"/>
+            <a:off x="3419872" y="332656"/>
             <a:ext cx="1800200" cy="1008112"/>
           </a:xfrm>
           <a:prstGeom prst="rect">
@@ -5438,7 +5438,7 @@
         </p:nvSpPr>
         <p:spPr>
           <a:xfrm>
-            <a:off x="3995936" y="2204864"/>
+            <a:off x="3419872" y="2132856"/>
             <a:ext cx="1800200" cy="1008112"/>
           </a:xfrm>
           <a:prstGeom prst="rect">
@@ -5485,7 +5485,7 @@
         </p:nvSpPr>
         <p:spPr>
           <a:xfrm>
-            <a:off x="3995936" y="4005064"/>
+            <a:off x="3419872" y="3933056"/>
             <a:ext cx="1800200" cy="1008112"/>
           </a:xfrm>
           <a:prstGeom prst="rect">
@@ -5532,7 +5532,7 @@
         </p:nvSpPr>
         <p:spPr>
           <a:xfrm>
-            <a:off x="6516216" y="2204864"/>
+            <a:off x="5940152" y="2132856"/>
             <a:ext cx="1800200" cy="1008112"/>
           </a:xfrm>
           <a:prstGeom prst="rect">
@@ -5579,7 +5579,7 @@
         </p:nvSpPr>
         <p:spPr>
           <a:xfrm>
-            <a:off x="6516216" y="4005064"/>
+            <a:off x="5940152" y="3933056"/>
             <a:ext cx="1800200" cy="1008112"/>
           </a:xfrm>
           <a:prstGeom prst="rect">
@@ -5626,7 +5626,7 @@
         </p:nvGrpSpPr>
         <p:grpSpPr>
           <a:xfrm>
-            <a:off x="1115616" y="404664"/>
+            <a:off x="539552" y="332656"/>
             <a:ext cx="1800200" cy="864096"/>
             <a:chOff x="4283968" y="476672"/>
             <a:chExt cx="1800200" cy="864096"/>
@@ -5715,7 +5715,7 @@
         </p:nvSpPr>
         <p:spPr>
           <a:xfrm>
-            <a:off x="1146096" y="980728"/>
+            <a:off x="570032" y="899389"/>
             <a:ext cx="406192" cy="262548"/>
           </a:xfrm>
           <a:prstGeom prst="rect">
@@ -5724,7 +5724,7 @@
           <a:solidFill>
             <a:schemeClr val="bg1"/>
           </a:solidFill>
-          <a:ln>
+          <a:ln w="12700">
             <a:solidFill>
               <a:schemeClr val="tx1"/>
             </a:solidFill>
@@ -5763,7 +5763,7 @@
         </p:nvSpPr>
         <p:spPr>
           <a:xfrm>
-            <a:off x="1285920" y="1356008"/>
+            <a:off x="709856" y="1274669"/>
             <a:ext cx="406192" cy="262548"/>
           </a:xfrm>
           <a:prstGeom prst="rect">
@@ -5772,7 +5772,7 @@
           <a:solidFill>
             <a:schemeClr val="bg1"/>
           </a:solidFill>
-          <a:ln>
+          <a:ln w="12700">
             <a:solidFill>
               <a:schemeClr val="tx1"/>
             </a:solidFill>
@@ -5811,7 +5811,7 @@
         </p:nvSpPr>
         <p:spPr>
           <a:xfrm>
-            <a:off x="1578144" y="1765196"/>
+            <a:off x="1002080" y="1693188"/>
             <a:ext cx="406192" cy="262548"/>
           </a:xfrm>
           <a:prstGeom prst="rect">
@@ -5820,7 +5820,7 @@
           <a:solidFill>
             <a:schemeClr val="bg1"/>
           </a:solidFill>
-          <a:ln>
+          <a:ln w="12700">
             <a:solidFill>
               <a:schemeClr val="tx1"/>
             </a:solidFill>
@@ -5876,130 +5876,363 @@
           <a:chExt cx="0" cy="0"/>
         </a:xfrm>
       </p:grpSpPr>
-      <p:pic>
-        <p:nvPicPr>
-          <p:cNvPr id="1028" name="Picture 4" descr="E:\GitHub\Thesis\Chapter4_MultiAPR\Chapter4Figs\Training\pulse1.png"/>
-          <p:cNvPicPr>
-            <a:picLocks noChangeAspect="1" noChangeArrowheads="1"/>
-          </p:cNvPicPr>
+      <p:grpSp>
+        <p:nvGrpSpPr>
+          <p:cNvPr id="105" name="Group 104"/>
+          <p:cNvGrpSpPr/>
           <p:nvPr/>
-        </p:nvPicPr>
-        <p:blipFill>
-          <a:blip r:embed="rId2" cstate="print"/>
-          <a:srcRect/>
-          <a:stretch>
-            <a:fillRect/>
-          </a:stretch>
-        </p:blipFill>
-        <p:spPr bwMode="auto">
+        </p:nvGrpSpPr>
+        <p:grpSpPr>
           <a:xfrm>
-            <a:off x="683568" y="404664"/>
-            <a:ext cx="1495425" cy="790575"/>
+            <a:off x="827584" y="1124744"/>
+            <a:ext cx="1800200" cy="3168352"/>
+            <a:chOff x="827584" y="1124744"/>
+            <a:chExt cx="1800200" cy="3168352"/>
           </a:xfrm>
-          <a:prstGeom prst="rect">
-            <a:avLst/>
-          </a:prstGeom>
-          <a:noFill/>
-        </p:spPr>
-      </p:pic>
-      <p:pic>
-        <p:nvPicPr>
-          <p:cNvPr id="1029" name="Picture 5" descr="E:\GitHub\Thesis\Chapter4_MultiAPR\Chapter4Figs\Training\pulse2.png"/>
-          <p:cNvPicPr>
-            <a:picLocks noChangeAspect="1" noChangeArrowheads="1"/>
-          </p:cNvPicPr>
-          <p:nvPr/>
-        </p:nvPicPr>
-        <p:blipFill>
-          <a:blip r:embed="rId3" cstate="print"/>
-          <a:srcRect/>
-          <a:stretch>
-            <a:fillRect/>
-          </a:stretch>
-        </p:blipFill>
-        <p:spPr bwMode="auto">
-          <a:xfrm>
-            <a:off x="683568" y="1268760"/>
-            <a:ext cx="1552575" cy="828675"/>
-          </a:xfrm>
-          <a:prstGeom prst="rect">
-            <a:avLst/>
-          </a:prstGeom>
-          <a:noFill/>
-        </p:spPr>
-      </p:pic>
-      <p:pic>
-        <p:nvPicPr>
-          <p:cNvPr id="1030" name="Picture 6" descr="E:\GitHub\Thesis\Chapter4_MultiAPR\Chapter4Figs\Training\pulse3.png"/>
-          <p:cNvPicPr>
-            <a:picLocks noChangeAspect="1" noChangeArrowheads="1"/>
-          </p:cNvPicPr>
-          <p:nvPr/>
-        </p:nvPicPr>
-        <p:blipFill>
-          <a:blip r:embed="rId4" cstate="print"/>
-          <a:srcRect/>
-          <a:stretch>
-            <a:fillRect/>
-          </a:stretch>
-        </p:blipFill>
-        <p:spPr bwMode="auto">
-          <a:xfrm>
-            <a:off x="683568" y="2636912"/>
-            <a:ext cx="1562100" cy="676275"/>
-          </a:xfrm>
-          <a:prstGeom prst="rect">
-            <a:avLst/>
-          </a:prstGeom>
-          <a:noFill/>
-        </p:spPr>
-      </p:pic>
-      <p:sp>
-        <p:nvSpPr>
-          <p:cNvPr id="41" name="Rectangle 40"/>
-          <p:cNvSpPr/>
-          <p:nvPr/>
-        </p:nvSpPr>
-        <p:spPr>
-          <a:xfrm>
-            <a:off x="539552" y="332656"/>
-            <a:ext cx="1800200" cy="3168352"/>
-          </a:xfrm>
-          <a:prstGeom prst="rect">
-            <a:avLst/>
-          </a:prstGeom>
-          <a:noFill/>
-          <a:ln>
+        </p:grpSpPr>
+        <p:grpSp>
+          <p:nvGrpSpPr>
+            <p:cNvPr id="91" name="Group 90"/>
+            <p:cNvGrpSpPr/>
+            <p:nvPr/>
+          </p:nvGrpSpPr>
+          <p:grpSpPr>
+            <a:xfrm>
+              <a:off x="827584" y="1124744"/>
+              <a:ext cx="1800200" cy="3168352"/>
+              <a:chOff x="539552" y="332656"/>
+              <a:chExt cx="1800200" cy="3168352"/>
+            </a:xfrm>
+          </p:grpSpPr>
+          <p:sp>
+            <p:nvSpPr>
+              <p:cNvPr id="92" name="Rectangle 91"/>
+              <p:cNvSpPr/>
+              <p:nvPr/>
+            </p:nvSpPr>
+            <p:spPr>
+              <a:xfrm>
+                <a:off x="539552" y="332656"/>
+                <a:ext cx="1800200" cy="3168352"/>
+              </a:xfrm>
+              <a:prstGeom prst="rect">
+                <a:avLst/>
+              </a:prstGeom>
+              <a:solidFill>
+                <a:schemeClr val="bg1"/>
+              </a:solidFill>
+              <a:ln>
+                <a:solidFill>
+                  <a:schemeClr val="tx1"/>
+                </a:solidFill>
+              </a:ln>
+            </p:spPr>
+            <p:style>
+              <a:lnRef idx="2">
+                <a:schemeClr val="accent1">
+                  <a:shade val="50000"/>
+                </a:schemeClr>
+              </a:lnRef>
+              <a:fillRef idx="1">
+                <a:schemeClr val="accent1"/>
+              </a:fillRef>
+              <a:effectRef idx="0">
+                <a:schemeClr val="accent1"/>
+              </a:effectRef>
+              <a:fontRef idx="minor">
+                <a:schemeClr val="lt1"/>
+              </a:fontRef>
+            </p:style>
+            <p:txBody>
+              <a:bodyPr rtlCol="0" anchor="ctr"/>
+              <a:lstStyle/>
+              <a:p>
+                <a:pPr algn="ctr"/>
+                <a:endParaRPr lang="en-US"/>
+              </a:p>
+            </p:txBody>
+          </p:sp>
+          <p:pic>
+            <p:nvPicPr>
+              <p:cNvPr id="93" name="Picture 4" descr="E:\GitHub\Thesis\Chapter4_MultiAPR\Chapter4Figs\Training\pulse1.png"/>
+              <p:cNvPicPr>
+                <a:picLocks noChangeAspect="1" noChangeArrowheads="1"/>
+              </p:cNvPicPr>
+              <p:nvPr/>
+            </p:nvPicPr>
+            <p:blipFill>
+              <a:blip r:embed="rId2" cstate="print"/>
+              <a:srcRect/>
+              <a:stretch>
+                <a:fillRect/>
+              </a:stretch>
+            </p:blipFill>
+            <p:spPr bwMode="auto">
+              <a:xfrm>
+                <a:off x="683568" y="404664"/>
+                <a:ext cx="1495425" cy="790575"/>
+              </a:xfrm>
+              <a:prstGeom prst="rect">
+                <a:avLst/>
+              </a:prstGeom>
+              <a:noFill/>
+            </p:spPr>
+          </p:pic>
+          <p:pic>
+            <p:nvPicPr>
+              <p:cNvPr id="94" name="Picture 5" descr="E:\GitHub\Thesis\Chapter4_MultiAPR\Chapter4Figs\Training\pulse2.png"/>
+              <p:cNvPicPr>
+                <a:picLocks noChangeAspect="1" noChangeArrowheads="1"/>
+              </p:cNvPicPr>
+              <p:nvPr/>
+            </p:nvPicPr>
+            <p:blipFill>
+              <a:blip r:embed="rId3" cstate="print"/>
+              <a:srcRect/>
+              <a:stretch>
+                <a:fillRect/>
+              </a:stretch>
+            </p:blipFill>
+            <p:spPr bwMode="auto">
+              <a:xfrm>
+                <a:off x="683568" y="1268760"/>
+                <a:ext cx="1552575" cy="828675"/>
+              </a:xfrm>
+              <a:prstGeom prst="rect">
+                <a:avLst/>
+              </a:prstGeom>
+              <a:noFill/>
+            </p:spPr>
+          </p:pic>
+          <p:pic>
+            <p:nvPicPr>
+              <p:cNvPr id="95" name="Picture 6" descr="E:\GitHub\Thesis\Chapter4_MultiAPR\Chapter4Figs\Training\pulse3.png"/>
+              <p:cNvPicPr>
+                <a:picLocks noChangeAspect="1" noChangeArrowheads="1"/>
+              </p:cNvPicPr>
+              <p:nvPr/>
+            </p:nvPicPr>
+            <p:blipFill>
+              <a:blip r:embed="rId4" cstate="print"/>
+              <a:srcRect/>
+              <a:stretch>
+                <a:fillRect/>
+              </a:stretch>
+            </p:blipFill>
+            <p:spPr bwMode="auto">
+              <a:xfrm>
+                <a:off x="683568" y="2636912"/>
+                <a:ext cx="1562100" cy="676275"/>
+              </a:xfrm>
+              <a:prstGeom prst="rect">
+                <a:avLst/>
+              </a:prstGeom>
+              <a:noFill/>
+            </p:spPr>
+          </p:pic>
+          <p:grpSp>
+            <p:nvGrpSpPr>
+              <p:cNvPr id="96" name="Group 81"/>
+              <p:cNvGrpSpPr/>
+              <p:nvPr/>
+            </p:nvGrpSpPr>
+            <p:grpSpPr>
+              <a:xfrm>
+                <a:off x="1187624" y="2204864"/>
+                <a:ext cx="45719" cy="333751"/>
+                <a:chOff x="1403648" y="2087137"/>
+                <a:chExt cx="45719" cy="333751"/>
+              </a:xfrm>
+            </p:grpSpPr>
+            <p:sp>
+              <p:nvSpPr>
+                <p:cNvPr id="97" name="Oval 96"/>
+                <p:cNvSpPr/>
+                <p:nvPr/>
+              </p:nvSpPr>
+              <p:spPr>
+                <a:xfrm flipH="1" flipV="1">
+                  <a:off x="1403648" y="2087137"/>
+                  <a:ext cx="45719" cy="45719"/>
+                </a:xfrm>
+                <a:prstGeom prst="ellipse">
+                  <a:avLst/>
+                </a:prstGeom>
+                <a:solidFill>
+                  <a:schemeClr val="tx1"/>
+                </a:solidFill>
+                <a:ln>
+                  <a:noFill/>
+                </a:ln>
+              </p:spPr>
+              <p:style>
+                <a:lnRef idx="2">
+                  <a:schemeClr val="accent1">
+                    <a:shade val="50000"/>
+                  </a:schemeClr>
+                </a:lnRef>
+                <a:fillRef idx="1">
+                  <a:schemeClr val="accent1"/>
+                </a:fillRef>
+                <a:effectRef idx="0">
+                  <a:schemeClr val="accent1"/>
+                </a:effectRef>
+                <a:fontRef idx="minor">
+                  <a:schemeClr val="lt1"/>
+                </a:fontRef>
+              </p:style>
+              <p:txBody>
+                <a:bodyPr rtlCol="0" anchor="ctr"/>
+                <a:lstStyle/>
+                <a:p>
+                  <a:pPr algn="ctr"/>
+                  <a:endParaRPr lang="en-US"/>
+                </a:p>
+              </p:txBody>
+            </p:sp>
+            <p:sp>
+              <p:nvSpPr>
+                <p:cNvPr id="98" name="Oval 97"/>
+                <p:cNvSpPr/>
+                <p:nvPr/>
+              </p:nvSpPr>
+              <p:spPr>
+                <a:xfrm flipH="1" flipV="1">
+                  <a:off x="1403648" y="2231153"/>
+                  <a:ext cx="45719" cy="45719"/>
+                </a:xfrm>
+                <a:prstGeom prst="ellipse">
+                  <a:avLst/>
+                </a:prstGeom>
+                <a:solidFill>
+                  <a:schemeClr val="tx1"/>
+                </a:solidFill>
+                <a:ln>
+                  <a:noFill/>
+                </a:ln>
+              </p:spPr>
+              <p:style>
+                <a:lnRef idx="2">
+                  <a:schemeClr val="accent1">
+                    <a:shade val="50000"/>
+                  </a:schemeClr>
+                </a:lnRef>
+                <a:fillRef idx="1">
+                  <a:schemeClr val="accent1"/>
+                </a:fillRef>
+                <a:effectRef idx="0">
+                  <a:schemeClr val="accent1"/>
+                </a:effectRef>
+                <a:fontRef idx="minor">
+                  <a:schemeClr val="lt1"/>
+                </a:fontRef>
+              </p:style>
+              <p:txBody>
+                <a:bodyPr rtlCol="0" anchor="ctr"/>
+                <a:lstStyle/>
+                <a:p>
+                  <a:pPr algn="ctr"/>
+                  <a:endParaRPr lang="en-US"/>
+                </a:p>
+              </p:txBody>
+            </p:sp>
+            <p:sp>
+              <p:nvSpPr>
+                <p:cNvPr id="99" name="Oval 98"/>
+                <p:cNvSpPr/>
+                <p:nvPr/>
+              </p:nvSpPr>
+              <p:spPr>
+                <a:xfrm flipH="1" flipV="1">
+                  <a:off x="1403648" y="2375169"/>
+                  <a:ext cx="45719" cy="45719"/>
+                </a:xfrm>
+                <a:prstGeom prst="ellipse">
+                  <a:avLst/>
+                </a:prstGeom>
+                <a:solidFill>
+                  <a:schemeClr val="tx1"/>
+                </a:solidFill>
+                <a:ln>
+                  <a:noFill/>
+                </a:ln>
+              </p:spPr>
+              <p:style>
+                <a:lnRef idx="2">
+                  <a:schemeClr val="accent1">
+                    <a:shade val="50000"/>
+                  </a:schemeClr>
+                </a:lnRef>
+                <a:fillRef idx="1">
+                  <a:schemeClr val="accent1"/>
+                </a:fillRef>
+                <a:effectRef idx="0">
+                  <a:schemeClr val="accent1"/>
+                </a:effectRef>
+                <a:fontRef idx="minor">
+                  <a:schemeClr val="lt1"/>
+                </a:fontRef>
+              </p:style>
+              <p:txBody>
+                <a:bodyPr rtlCol="0" anchor="ctr"/>
+                <a:lstStyle/>
+                <a:p>
+                  <a:pPr algn="ctr"/>
+                  <a:endParaRPr lang="en-US"/>
+                </a:p>
+              </p:txBody>
+            </p:sp>
+          </p:grpSp>
+        </p:grpSp>
+        <p:sp>
+          <p:nvSpPr>
+            <p:cNvPr id="101" name="Rectangle 100"/>
+            <p:cNvSpPr/>
+            <p:nvPr/>
+          </p:nvSpPr>
+          <p:spPr>
+            <a:xfrm>
+              <a:off x="865684" y="3997444"/>
+              <a:ext cx="406192" cy="262548"/>
+            </a:xfrm>
+            <a:prstGeom prst="rect">
+              <a:avLst/>
+            </a:prstGeom>
             <a:solidFill>
-              <a:schemeClr val="tx1"/>
+              <a:schemeClr val="bg1"/>
             </a:solidFill>
-          </a:ln>
-        </p:spPr>
-        <p:style>
-          <a:lnRef idx="2">
-            <a:schemeClr val="accent1">
-              <a:shade val="50000"/>
-            </a:schemeClr>
-          </a:lnRef>
-          <a:fillRef idx="1">
-            <a:schemeClr val="accent1"/>
-          </a:fillRef>
-          <a:effectRef idx="0">
-            <a:schemeClr val="accent1"/>
-          </a:effectRef>
-          <a:fontRef idx="minor">
-            <a:schemeClr val="lt1"/>
-          </a:fontRef>
-        </p:style>
-        <p:txBody>
-          <a:bodyPr rtlCol="0" anchor="ctr"/>
-          <a:lstStyle/>
-          <a:p>
-            <a:pPr algn="ctr"/>
-            <a:endParaRPr lang="en-US"/>
-          </a:p>
-        </p:txBody>
-      </p:sp>
+            <a:ln w="12700">
+              <a:solidFill>
+                <a:schemeClr val="tx1"/>
+              </a:solidFill>
+            </a:ln>
+          </p:spPr>
+          <p:style>
+            <a:lnRef idx="2">
+              <a:schemeClr val="accent1">
+                <a:shade val="50000"/>
+              </a:schemeClr>
+            </a:lnRef>
+            <a:fillRef idx="1">
+              <a:schemeClr val="accent1"/>
+            </a:fillRef>
+            <a:effectRef idx="0">
+              <a:schemeClr val="accent1"/>
+            </a:effectRef>
+            <a:fontRef idx="minor">
+              <a:schemeClr val="lt1"/>
+            </a:fontRef>
+          </p:style>
+          <p:txBody>
+            <a:bodyPr rtlCol="0" anchor="ctr"/>
+            <a:lstStyle/>
+            <a:p>
+              <a:pPr algn="ctr"/>
+              <a:endParaRPr lang="en-US"/>
+            </a:p>
+          </p:txBody>
+        </p:sp>
+      </p:grpSp>
       <p:pic>
         <p:nvPicPr>
           <p:cNvPr id="45" name="Picture 7" descr="E:\GitHub\Thesis\Chapter4_MultiAPR\Chapter4Figs\Training\tpulse1.png"/>
@@ -7017,13 +7250,727 @@
       </p:sp>
       <p:grpSp>
         <p:nvGrpSpPr>
-          <p:cNvPr id="82" name="Group 81"/>
+          <p:cNvPr id="103" name="Group 102"/>
           <p:cNvGrpSpPr/>
           <p:nvPr/>
         </p:nvGrpSpPr>
         <p:grpSpPr>
           <a:xfrm>
-            <a:off x="1187624" y="2204864"/>
+            <a:off x="691952" y="662216"/>
+            <a:ext cx="1800200" cy="3168352"/>
+            <a:chOff x="691952" y="692696"/>
+            <a:chExt cx="1800200" cy="3168352"/>
+          </a:xfrm>
+        </p:grpSpPr>
+        <p:grpSp>
+          <p:nvGrpSpPr>
+            <p:cNvPr id="53" name="Group 52"/>
+            <p:cNvGrpSpPr/>
+            <p:nvPr/>
+          </p:nvGrpSpPr>
+          <p:grpSpPr>
+            <a:xfrm>
+              <a:off x="691952" y="692696"/>
+              <a:ext cx="1800200" cy="3168352"/>
+              <a:chOff x="539552" y="332656"/>
+              <a:chExt cx="1800200" cy="3168352"/>
+            </a:xfrm>
+          </p:grpSpPr>
+          <p:sp>
+            <p:nvSpPr>
+              <p:cNvPr id="54" name="Rectangle 53"/>
+              <p:cNvSpPr/>
+              <p:nvPr/>
+            </p:nvSpPr>
+            <p:spPr>
+              <a:xfrm>
+                <a:off x="539552" y="332656"/>
+                <a:ext cx="1800200" cy="3168352"/>
+              </a:xfrm>
+              <a:prstGeom prst="rect">
+                <a:avLst/>
+              </a:prstGeom>
+              <a:solidFill>
+                <a:schemeClr val="bg1"/>
+              </a:solidFill>
+              <a:ln>
+                <a:solidFill>
+                  <a:schemeClr val="tx1"/>
+                </a:solidFill>
+              </a:ln>
+            </p:spPr>
+            <p:style>
+              <a:lnRef idx="2">
+                <a:schemeClr val="accent1">
+                  <a:shade val="50000"/>
+                </a:schemeClr>
+              </a:lnRef>
+              <a:fillRef idx="1">
+                <a:schemeClr val="accent1"/>
+              </a:fillRef>
+              <a:effectRef idx="0">
+                <a:schemeClr val="accent1"/>
+              </a:effectRef>
+              <a:fontRef idx="minor">
+                <a:schemeClr val="lt1"/>
+              </a:fontRef>
+            </p:style>
+            <p:txBody>
+              <a:bodyPr rtlCol="0" anchor="ctr"/>
+              <a:lstStyle/>
+              <a:p>
+                <a:pPr algn="ctr"/>
+                <a:endParaRPr lang="en-US"/>
+              </a:p>
+            </p:txBody>
+          </p:sp>
+          <p:pic>
+            <p:nvPicPr>
+              <p:cNvPr id="55" name="Picture 4" descr="E:\GitHub\Thesis\Chapter4_MultiAPR\Chapter4Figs\Training\pulse1.png"/>
+              <p:cNvPicPr>
+                <a:picLocks noChangeAspect="1" noChangeArrowheads="1"/>
+              </p:cNvPicPr>
+              <p:nvPr/>
+            </p:nvPicPr>
+            <p:blipFill>
+              <a:blip r:embed="rId2" cstate="print"/>
+              <a:srcRect/>
+              <a:stretch>
+                <a:fillRect/>
+              </a:stretch>
+            </p:blipFill>
+            <p:spPr bwMode="auto">
+              <a:xfrm>
+                <a:off x="683568" y="404664"/>
+                <a:ext cx="1495425" cy="790575"/>
+              </a:xfrm>
+              <a:prstGeom prst="rect">
+                <a:avLst/>
+              </a:prstGeom>
+              <a:noFill/>
+            </p:spPr>
+          </p:pic>
+          <p:pic>
+            <p:nvPicPr>
+              <p:cNvPr id="56" name="Picture 5" descr="E:\GitHub\Thesis\Chapter4_MultiAPR\Chapter4Figs\Training\pulse2.png"/>
+              <p:cNvPicPr>
+                <a:picLocks noChangeAspect="1" noChangeArrowheads="1"/>
+              </p:cNvPicPr>
+              <p:nvPr/>
+            </p:nvPicPr>
+            <p:blipFill>
+              <a:blip r:embed="rId3" cstate="print"/>
+              <a:srcRect/>
+              <a:stretch>
+                <a:fillRect/>
+              </a:stretch>
+            </p:blipFill>
+            <p:spPr bwMode="auto">
+              <a:xfrm>
+                <a:off x="683568" y="1268760"/>
+                <a:ext cx="1552575" cy="828675"/>
+              </a:xfrm>
+              <a:prstGeom prst="rect">
+                <a:avLst/>
+              </a:prstGeom>
+              <a:noFill/>
+            </p:spPr>
+          </p:pic>
+          <p:pic>
+            <p:nvPicPr>
+              <p:cNvPr id="86" name="Picture 6" descr="E:\GitHub\Thesis\Chapter4_MultiAPR\Chapter4Figs\Training\pulse3.png"/>
+              <p:cNvPicPr>
+                <a:picLocks noChangeAspect="1" noChangeArrowheads="1"/>
+              </p:cNvPicPr>
+              <p:nvPr/>
+            </p:nvPicPr>
+            <p:blipFill>
+              <a:blip r:embed="rId4" cstate="print"/>
+              <a:srcRect/>
+              <a:stretch>
+                <a:fillRect/>
+              </a:stretch>
+            </p:blipFill>
+            <p:spPr bwMode="auto">
+              <a:xfrm>
+                <a:off x="683568" y="2636912"/>
+                <a:ext cx="1562100" cy="676275"/>
+              </a:xfrm>
+              <a:prstGeom prst="rect">
+                <a:avLst/>
+              </a:prstGeom>
+              <a:noFill/>
+            </p:spPr>
+          </p:pic>
+          <p:grpSp>
+            <p:nvGrpSpPr>
+              <p:cNvPr id="87" name="Group 81"/>
+              <p:cNvGrpSpPr/>
+              <p:nvPr/>
+            </p:nvGrpSpPr>
+            <p:grpSpPr>
+              <a:xfrm>
+                <a:off x="1187624" y="2204864"/>
+                <a:ext cx="45719" cy="333751"/>
+                <a:chOff x="1403648" y="2087137"/>
+                <a:chExt cx="45719" cy="333751"/>
+              </a:xfrm>
+            </p:grpSpPr>
+            <p:sp>
+              <p:nvSpPr>
+                <p:cNvPr id="88" name="Oval 87"/>
+                <p:cNvSpPr/>
+                <p:nvPr/>
+              </p:nvSpPr>
+              <p:spPr>
+                <a:xfrm flipH="1" flipV="1">
+                  <a:off x="1403648" y="2087137"/>
+                  <a:ext cx="45719" cy="45719"/>
+                </a:xfrm>
+                <a:prstGeom prst="ellipse">
+                  <a:avLst/>
+                </a:prstGeom>
+                <a:solidFill>
+                  <a:schemeClr val="tx1"/>
+                </a:solidFill>
+                <a:ln>
+                  <a:noFill/>
+                </a:ln>
+              </p:spPr>
+              <p:style>
+                <a:lnRef idx="2">
+                  <a:schemeClr val="accent1">
+                    <a:shade val="50000"/>
+                  </a:schemeClr>
+                </a:lnRef>
+                <a:fillRef idx="1">
+                  <a:schemeClr val="accent1"/>
+                </a:fillRef>
+                <a:effectRef idx="0">
+                  <a:schemeClr val="accent1"/>
+                </a:effectRef>
+                <a:fontRef idx="minor">
+                  <a:schemeClr val="lt1"/>
+                </a:fontRef>
+              </p:style>
+              <p:txBody>
+                <a:bodyPr rtlCol="0" anchor="ctr"/>
+                <a:lstStyle/>
+                <a:p>
+                  <a:pPr algn="ctr"/>
+                  <a:endParaRPr lang="en-US"/>
+                </a:p>
+              </p:txBody>
+            </p:sp>
+            <p:sp>
+              <p:nvSpPr>
+                <p:cNvPr id="89" name="Oval 88"/>
+                <p:cNvSpPr/>
+                <p:nvPr/>
+              </p:nvSpPr>
+              <p:spPr>
+                <a:xfrm flipH="1" flipV="1">
+                  <a:off x="1403648" y="2231153"/>
+                  <a:ext cx="45719" cy="45719"/>
+                </a:xfrm>
+                <a:prstGeom prst="ellipse">
+                  <a:avLst/>
+                </a:prstGeom>
+                <a:solidFill>
+                  <a:schemeClr val="tx1"/>
+                </a:solidFill>
+                <a:ln>
+                  <a:noFill/>
+                </a:ln>
+              </p:spPr>
+              <p:style>
+                <a:lnRef idx="2">
+                  <a:schemeClr val="accent1">
+                    <a:shade val="50000"/>
+                  </a:schemeClr>
+                </a:lnRef>
+                <a:fillRef idx="1">
+                  <a:schemeClr val="accent1"/>
+                </a:fillRef>
+                <a:effectRef idx="0">
+                  <a:schemeClr val="accent1"/>
+                </a:effectRef>
+                <a:fontRef idx="minor">
+                  <a:schemeClr val="lt1"/>
+                </a:fontRef>
+              </p:style>
+              <p:txBody>
+                <a:bodyPr rtlCol="0" anchor="ctr"/>
+                <a:lstStyle/>
+                <a:p>
+                  <a:pPr algn="ctr"/>
+                  <a:endParaRPr lang="en-US"/>
+                </a:p>
+              </p:txBody>
+            </p:sp>
+            <p:sp>
+              <p:nvSpPr>
+                <p:cNvPr id="90" name="Oval 89"/>
+                <p:cNvSpPr/>
+                <p:nvPr/>
+              </p:nvSpPr>
+              <p:spPr>
+                <a:xfrm flipH="1" flipV="1">
+                  <a:off x="1403648" y="2375169"/>
+                  <a:ext cx="45719" cy="45719"/>
+                </a:xfrm>
+                <a:prstGeom prst="ellipse">
+                  <a:avLst/>
+                </a:prstGeom>
+                <a:solidFill>
+                  <a:schemeClr val="tx1"/>
+                </a:solidFill>
+                <a:ln>
+                  <a:noFill/>
+                </a:ln>
+              </p:spPr>
+              <p:style>
+                <a:lnRef idx="2">
+                  <a:schemeClr val="accent1">
+                    <a:shade val="50000"/>
+                  </a:schemeClr>
+                </a:lnRef>
+                <a:fillRef idx="1">
+                  <a:schemeClr val="accent1"/>
+                </a:fillRef>
+                <a:effectRef idx="0">
+                  <a:schemeClr val="accent1"/>
+                </a:effectRef>
+                <a:fontRef idx="minor">
+                  <a:schemeClr val="lt1"/>
+                </a:fontRef>
+              </p:style>
+              <p:txBody>
+                <a:bodyPr rtlCol="0" anchor="ctr"/>
+                <a:lstStyle/>
+                <a:p>
+                  <a:pPr algn="ctr"/>
+                  <a:endParaRPr lang="en-US"/>
+                </a:p>
+              </p:txBody>
+            </p:sp>
+          </p:grpSp>
+        </p:grpSp>
+        <p:sp>
+          <p:nvSpPr>
+            <p:cNvPr id="100" name="Rectangle 99"/>
+            <p:cNvSpPr/>
+            <p:nvPr/>
+          </p:nvSpPr>
+          <p:spPr>
+            <a:xfrm>
+              <a:off x="729288" y="3568020"/>
+              <a:ext cx="406192" cy="262548"/>
+            </a:xfrm>
+            <a:prstGeom prst="rect">
+              <a:avLst/>
+            </a:prstGeom>
+            <a:solidFill>
+              <a:schemeClr val="bg1"/>
+            </a:solidFill>
+            <a:ln w="12700">
+              <a:solidFill>
+                <a:schemeClr val="tx1"/>
+              </a:solidFill>
+            </a:ln>
+          </p:spPr>
+          <p:style>
+            <a:lnRef idx="2">
+              <a:schemeClr val="accent1">
+                <a:shade val="50000"/>
+              </a:schemeClr>
+            </a:lnRef>
+            <a:fillRef idx="1">
+              <a:schemeClr val="accent1"/>
+            </a:fillRef>
+            <a:effectRef idx="0">
+              <a:schemeClr val="accent1"/>
+            </a:effectRef>
+            <a:fontRef idx="minor">
+              <a:schemeClr val="lt1"/>
+            </a:fontRef>
+          </p:style>
+          <p:txBody>
+            <a:bodyPr rtlCol="0" anchor="ctr"/>
+            <a:lstStyle/>
+            <a:p>
+              <a:pPr algn="ctr"/>
+              <a:endParaRPr lang="en-US"/>
+            </a:p>
+          </p:txBody>
+        </p:sp>
+      </p:grpSp>
+      <p:grpSp>
+        <p:nvGrpSpPr>
+          <p:cNvPr id="104" name="Group 103"/>
+          <p:cNvGrpSpPr/>
+          <p:nvPr/>
+        </p:nvGrpSpPr>
+        <p:grpSpPr>
+          <a:xfrm>
+            <a:off x="539552" y="332656"/>
+            <a:ext cx="1800200" cy="3168352"/>
+            <a:chOff x="539552" y="332656"/>
+            <a:chExt cx="1800200" cy="3168352"/>
+          </a:xfrm>
+        </p:grpSpPr>
+        <p:grpSp>
+          <p:nvGrpSpPr>
+            <p:cNvPr id="52" name="Group 51"/>
+            <p:cNvGrpSpPr/>
+            <p:nvPr/>
+          </p:nvGrpSpPr>
+          <p:grpSpPr>
+            <a:xfrm>
+              <a:off x="539552" y="332656"/>
+              <a:ext cx="1800200" cy="3168352"/>
+              <a:chOff x="539552" y="332656"/>
+              <a:chExt cx="1800200" cy="3168352"/>
+            </a:xfrm>
+          </p:grpSpPr>
+          <p:sp>
+            <p:nvSpPr>
+              <p:cNvPr id="41" name="Rectangle 40"/>
+              <p:cNvSpPr/>
+              <p:nvPr/>
+            </p:nvSpPr>
+            <p:spPr>
+              <a:xfrm>
+                <a:off x="539552" y="332656"/>
+                <a:ext cx="1800200" cy="3168352"/>
+              </a:xfrm>
+              <a:prstGeom prst="rect">
+                <a:avLst/>
+              </a:prstGeom>
+              <a:solidFill>
+                <a:schemeClr val="bg1"/>
+              </a:solidFill>
+              <a:ln>
+                <a:solidFill>
+                  <a:schemeClr val="tx1"/>
+                </a:solidFill>
+              </a:ln>
+            </p:spPr>
+            <p:style>
+              <a:lnRef idx="2">
+                <a:schemeClr val="accent1">
+                  <a:shade val="50000"/>
+                </a:schemeClr>
+              </a:lnRef>
+              <a:fillRef idx="1">
+                <a:schemeClr val="accent1"/>
+              </a:fillRef>
+              <a:effectRef idx="0">
+                <a:schemeClr val="accent1"/>
+              </a:effectRef>
+              <a:fontRef idx="minor">
+                <a:schemeClr val="lt1"/>
+              </a:fontRef>
+            </p:style>
+            <p:txBody>
+              <a:bodyPr rtlCol="0" anchor="ctr"/>
+              <a:lstStyle/>
+              <a:p>
+                <a:pPr algn="ctr"/>
+                <a:endParaRPr lang="en-US"/>
+              </a:p>
+            </p:txBody>
+          </p:sp>
+          <p:pic>
+            <p:nvPicPr>
+              <p:cNvPr id="1028" name="Picture 4" descr="E:\GitHub\Thesis\Chapter4_MultiAPR\Chapter4Figs\Training\pulse1.png"/>
+              <p:cNvPicPr>
+                <a:picLocks noChangeAspect="1" noChangeArrowheads="1"/>
+              </p:cNvPicPr>
+              <p:nvPr/>
+            </p:nvPicPr>
+            <p:blipFill>
+              <a:blip r:embed="rId2" cstate="print"/>
+              <a:srcRect/>
+              <a:stretch>
+                <a:fillRect/>
+              </a:stretch>
+            </p:blipFill>
+            <p:spPr bwMode="auto">
+              <a:xfrm>
+                <a:off x="683568" y="404664"/>
+                <a:ext cx="1495425" cy="790575"/>
+              </a:xfrm>
+              <a:prstGeom prst="rect">
+                <a:avLst/>
+              </a:prstGeom>
+              <a:noFill/>
+            </p:spPr>
+          </p:pic>
+          <p:pic>
+            <p:nvPicPr>
+              <p:cNvPr id="1029" name="Picture 5" descr="E:\GitHub\Thesis\Chapter4_MultiAPR\Chapter4Figs\Training\pulse2.png"/>
+              <p:cNvPicPr>
+                <a:picLocks noChangeAspect="1" noChangeArrowheads="1"/>
+              </p:cNvPicPr>
+              <p:nvPr/>
+            </p:nvPicPr>
+            <p:blipFill>
+              <a:blip r:embed="rId3" cstate="print"/>
+              <a:srcRect/>
+              <a:stretch>
+                <a:fillRect/>
+              </a:stretch>
+            </p:blipFill>
+            <p:spPr bwMode="auto">
+              <a:xfrm>
+                <a:off x="683568" y="1268760"/>
+                <a:ext cx="1552575" cy="828675"/>
+              </a:xfrm>
+              <a:prstGeom prst="rect">
+                <a:avLst/>
+              </a:prstGeom>
+              <a:noFill/>
+            </p:spPr>
+          </p:pic>
+          <p:pic>
+            <p:nvPicPr>
+              <p:cNvPr id="1030" name="Picture 6" descr="E:\GitHub\Thesis\Chapter4_MultiAPR\Chapter4Figs\Training\pulse3.png"/>
+              <p:cNvPicPr>
+                <a:picLocks noChangeAspect="1" noChangeArrowheads="1"/>
+              </p:cNvPicPr>
+              <p:nvPr/>
+            </p:nvPicPr>
+            <p:blipFill>
+              <a:blip r:embed="rId4" cstate="print"/>
+              <a:srcRect/>
+              <a:stretch>
+                <a:fillRect/>
+              </a:stretch>
+            </p:blipFill>
+            <p:spPr bwMode="auto">
+              <a:xfrm>
+                <a:off x="683568" y="2636912"/>
+                <a:ext cx="1562100" cy="676275"/>
+              </a:xfrm>
+              <a:prstGeom prst="rect">
+                <a:avLst/>
+              </a:prstGeom>
+              <a:noFill/>
+            </p:spPr>
+          </p:pic>
+          <p:grpSp>
+            <p:nvGrpSpPr>
+              <p:cNvPr id="82" name="Group 81"/>
+              <p:cNvGrpSpPr/>
+              <p:nvPr/>
+            </p:nvGrpSpPr>
+            <p:grpSpPr>
+              <a:xfrm>
+                <a:off x="1187624" y="2204864"/>
+                <a:ext cx="45719" cy="333751"/>
+                <a:chOff x="1403648" y="2087137"/>
+                <a:chExt cx="45719" cy="333751"/>
+              </a:xfrm>
+            </p:grpSpPr>
+            <p:sp>
+              <p:nvSpPr>
+                <p:cNvPr id="83" name="Oval 82"/>
+                <p:cNvSpPr/>
+                <p:nvPr/>
+              </p:nvSpPr>
+              <p:spPr>
+                <a:xfrm flipH="1" flipV="1">
+                  <a:off x="1403648" y="2087137"/>
+                  <a:ext cx="45719" cy="45719"/>
+                </a:xfrm>
+                <a:prstGeom prst="ellipse">
+                  <a:avLst/>
+                </a:prstGeom>
+                <a:solidFill>
+                  <a:schemeClr val="tx1"/>
+                </a:solidFill>
+                <a:ln>
+                  <a:noFill/>
+                </a:ln>
+              </p:spPr>
+              <p:style>
+                <a:lnRef idx="2">
+                  <a:schemeClr val="accent1">
+                    <a:shade val="50000"/>
+                  </a:schemeClr>
+                </a:lnRef>
+                <a:fillRef idx="1">
+                  <a:schemeClr val="accent1"/>
+                </a:fillRef>
+                <a:effectRef idx="0">
+                  <a:schemeClr val="accent1"/>
+                </a:effectRef>
+                <a:fontRef idx="minor">
+                  <a:schemeClr val="lt1"/>
+                </a:fontRef>
+              </p:style>
+              <p:txBody>
+                <a:bodyPr rtlCol="0" anchor="ctr"/>
+                <a:lstStyle/>
+                <a:p>
+                  <a:pPr algn="ctr"/>
+                  <a:endParaRPr lang="en-US"/>
+                </a:p>
+              </p:txBody>
+            </p:sp>
+            <p:sp>
+              <p:nvSpPr>
+                <p:cNvPr id="84" name="Oval 83"/>
+                <p:cNvSpPr/>
+                <p:nvPr/>
+              </p:nvSpPr>
+              <p:spPr>
+                <a:xfrm flipH="1" flipV="1">
+                  <a:off x="1403648" y="2231153"/>
+                  <a:ext cx="45719" cy="45719"/>
+                </a:xfrm>
+                <a:prstGeom prst="ellipse">
+                  <a:avLst/>
+                </a:prstGeom>
+                <a:solidFill>
+                  <a:schemeClr val="tx1"/>
+                </a:solidFill>
+                <a:ln>
+                  <a:noFill/>
+                </a:ln>
+              </p:spPr>
+              <p:style>
+                <a:lnRef idx="2">
+                  <a:schemeClr val="accent1">
+                    <a:shade val="50000"/>
+                  </a:schemeClr>
+                </a:lnRef>
+                <a:fillRef idx="1">
+                  <a:schemeClr val="accent1"/>
+                </a:fillRef>
+                <a:effectRef idx="0">
+                  <a:schemeClr val="accent1"/>
+                </a:effectRef>
+                <a:fontRef idx="minor">
+                  <a:schemeClr val="lt1"/>
+                </a:fontRef>
+              </p:style>
+              <p:txBody>
+                <a:bodyPr rtlCol="0" anchor="ctr"/>
+                <a:lstStyle/>
+                <a:p>
+                  <a:pPr algn="ctr"/>
+                  <a:endParaRPr lang="en-US"/>
+                </a:p>
+              </p:txBody>
+            </p:sp>
+            <p:sp>
+              <p:nvSpPr>
+                <p:cNvPr id="85" name="Oval 84"/>
+                <p:cNvSpPr/>
+                <p:nvPr/>
+              </p:nvSpPr>
+              <p:spPr>
+                <a:xfrm flipH="1" flipV="1">
+                  <a:off x="1403648" y="2375169"/>
+                  <a:ext cx="45719" cy="45719"/>
+                </a:xfrm>
+                <a:prstGeom prst="ellipse">
+                  <a:avLst/>
+                </a:prstGeom>
+                <a:solidFill>
+                  <a:schemeClr val="tx1"/>
+                </a:solidFill>
+                <a:ln>
+                  <a:noFill/>
+                </a:ln>
+              </p:spPr>
+              <p:style>
+                <a:lnRef idx="2">
+                  <a:schemeClr val="accent1">
+                    <a:shade val="50000"/>
+                  </a:schemeClr>
+                </a:lnRef>
+                <a:fillRef idx="1">
+                  <a:schemeClr val="accent1"/>
+                </a:fillRef>
+                <a:effectRef idx="0">
+                  <a:schemeClr val="accent1"/>
+                </a:effectRef>
+                <a:fontRef idx="minor">
+                  <a:schemeClr val="lt1"/>
+                </a:fontRef>
+              </p:style>
+              <p:txBody>
+                <a:bodyPr rtlCol="0" anchor="ctr"/>
+                <a:lstStyle/>
+                <a:p>
+                  <a:pPr algn="ctr"/>
+                  <a:endParaRPr lang="en-US"/>
+                </a:p>
+              </p:txBody>
+            </p:sp>
+          </p:grpSp>
+        </p:grpSp>
+        <p:sp>
+          <p:nvSpPr>
+            <p:cNvPr id="102" name="Rectangle 101"/>
+            <p:cNvSpPr/>
+            <p:nvPr/>
+          </p:nvSpPr>
+          <p:spPr>
+            <a:xfrm>
+              <a:off x="573028" y="3205356"/>
+              <a:ext cx="406192" cy="262548"/>
+            </a:xfrm>
+            <a:prstGeom prst="rect">
+              <a:avLst/>
+            </a:prstGeom>
+            <a:solidFill>
+              <a:schemeClr val="bg1"/>
+            </a:solidFill>
+            <a:ln w="12700">
+              <a:solidFill>
+                <a:schemeClr val="tx1"/>
+              </a:solidFill>
+            </a:ln>
+          </p:spPr>
+          <p:style>
+            <a:lnRef idx="2">
+              <a:schemeClr val="accent1">
+                <a:shade val="50000"/>
+              </a:schemeClr>
+            </a:lnRef>
+            <a:fillRef idx="1">
+              <a:schemeClr val="accent1"/>
+            </a:fillRef>
+            <a:effectRef idx="0">
+              <a:schemeClr val="accent1"/>
+            </a:effectRef>
+            <a:fontRef idx="minor">
+              <a:schemeClr val="lt1"/>
+            </a:fontRef>
+          </p:style>
+          <p:txBody>
+            <a:bodyPr rtlCol="0" anchor="ctr"/>
+            <a:lstStyle/>
+            <a:p>
+              <a:pPr algn="ctr"/>
+              <a:endParaRPr lang="en-US"/>
+            </a:p>
+          </p:txBody>
+        </p:sp>
+      </p:grpSp>
+      <p:grpSp>
+        <p:nvGrpSpPr>
+          <p:cNvPr id="106" name="Group 105"/>
+          <p:cNvGrpSpPr/>
+          <p:nvPr/>
+        </p:nvGrpSpPr>
+        <p:grpSpPr>
+          <a:xfrm>
+            <a:off x="755576" y="3861048"/>
             <a:ext cx="45719" cy="333751"/>
             <a:chOff x="1403648" y="2087137"/>
             <a:chExt cx="45719" cy="333751"/>
@@ -7031,7 +7978,7 @@
         </p:grpSpPr>
         <p:sp>
           <p:nvSpPr>
-            <p:cNvPr id="83" name="Oval 82"/>
+            <p:cNvPr id="107" name="Oval 106"/>
             <p:cNvSpPr/>
             <p:nvPr/>
           </p:nvSpPr>
@@ -7077,7 +8024,7 @@
         </p:sp>
         <p:sp>
           <p:nvSpPr>
-            <p:cNvPr id="84" name="Oval 83"/>
+            <p:cNvPr id="108" name="Oval 107"/>
             <p:cNvSpPr/>
             <p:nvPr/>
           </p:nvSpPr>
@@ -7123,7 +8070,7 @@
         </p:sp>
         <p:sp>
           <p:nvSpPr>
-            <p:cNvPr id="85" name="Oval 84"/>
+            <p:cNvPr id="109" name="Oval 108"/>
             <p:cNvSpPr/>
             <p:nvPr/>
           </p:nvSpPr>
@@ -7195,419 +8142,545 @@
       </p:grpSpPr>
       <p:grpSp>
         <p:nvGrpSpPr>
-          <p:cNvPr id="5" name="Group 34"/>
+          <p:cNvPr id="112" name="Group 111"/>
           <p:cNvGrpSpPr/>
           <p:nvPr/>
         </p:nvGrpSpPr>
         <p:grpSpPr>
           <a:xfrm>
-            <a:off x="844251" y="1203598"/>
-            <a:ext cx="1460105" cy="828675"/>
-            <a:chOff x="5740795" y="4437112"/>
-            <a:chExt cx="1460105" cy="828675"/>
+            <a:off x="827584" y="1124744"/>
+            <a:ext cx="1800200" cy="3168352"/>
+            <a:chOff x="988368" y="1052736"/>
+            <a:chExt cx="1800200" cy="3168352"/>
           </a:xfrm>
         </p:grpSpPr>
-        <p:pic>
-          <p:nvPicPr>
-            <p:cNvPr id="18" name="Picture 5" descr="E:\GitHub\Thesis\Chapter4_MultiAPR\Chapter4Figs\Training\pulse2.png"/>
-            <p:cNvPicPr>
-              <a:picLocks noChangeAspect="1" noChangeArrowheads="1"/>
-            </p:cNvPicPr>
+        <p:grpSp>
+          <p:nvGrpSpPr>
+            <p:cNvPr id="89" name="Group 88"/>
+            <p:cNvGrpSpPr/>
             <p:nvPr/>
-          </p:nvPicPr>
-          <p:blipFill>
-            <a:blip r:embed="rId2" cstate="print"/>
-            <a:srcRect l="2882" r="23434"/>
-            <a:stretch>
-              <a:fillRect/>
-            </a:stretch>
-          </p:blipFill>
-          <p:spPr bwMode="auto">
+          </p:nvGrpSpPr>
+          <p:grpSpPr>
             <a:xfrm>
-              <a:off x="6056908" y="4437112"/>
-              <a:ext cx="1143992" cy="828675"/>
+              <a:off x="988368" y="1052736"/>
+              <a:ext cx="1800200" cy="3168352"/>
+              <a:chOff x="683568" y="332656"/>
+              <a:chExt cx="1800200" cy="3168352"/>
+            </a:xfrm>
+          </p:grpSpPr>
+          <p:sp>
+            <p:nvSpPr>
+              <p:cNvPr id="90" name="Rectangle 89"/>
+              <p:cNvSpPr/>
+              <p:nvPr/>
+            </p:nvSpPr>
+            <p:spPr>
+              <a:xfrm>
+                <a:off x="683568" y="332656"/>
+                <a:ext cx="1800200" cy="3168352"/>
+              </a:xfrm>
+              <a:prstGeom prst="rect">
+                <a:avLst/>
+              </a:prstGeom>
+              <a:solidFill>
+                <a:schemeClr val="bg1"/>
+              </a:solidFill>
+              <a:ln>
+                <a:solidFill>
+                  <a:schemeClr val="tx1"/>
+                </a:solidFill>
+              </a:ln>
+            </p:spPr>
+            <p:style>
+              <a:lnRef idx="2">
+                <a:schemeClr val="accent1">
+                  <a:shade val="50000"/>
+                </a:schemeClr>
+              </a:lnRef>
+              <a:fillRef idx="1">
+                <a:schemeClr val="accent1"/>
+              </a:fillRef>
+              <a:effectRef idx="0">
+                <a:schemeClr val="accent1"/>
+              </a:effectRef>
+              <a:fontRef idx="minor">
+                <a:schemeClr val="lt1"/>
+              </a:fontRef>
+            </p:style>
+            <p:txBody>
+              <a:bodyPr rtlCol="0" anchor="ctr"/>
+              <a:lstStyle/>
+              <a:p>
+                <a:pPr algn="ctr"/>
+                <a:endParaRPr lang="en-US"/>
+              </a:p>
+            </p:txBody>
+          </p:sp>
+          <p:pic>
+            <p:nvPicPr>
+              <p:cNvPr id="91" name="Picture 4" descr="E:\GitHub\Thesis\Chapter4_MultiAPR\Chapter4Figs\Training\pulse1.png"/>
+              <p:cNvPicPr>
+                <a:picLocks noChangeAspect="1" noChangeArrowheads="1"/>
+              </p:cNvPicPr>
+              <p:nvPr/>
+            </p:nvPicPr>
+            <p:blipFill>
+              <a:blip r:embed="rId2" cstate="print"/>
+              <a:srcRect t="9108"/>
+              <a:stretch>
+                <a:fillRect/>
+              </a:stretch>
+            </p:blipFill>
+            <p:spPr bwMode="auto">
+              <a:xfrm>
+                <a:off x="827584" y="404664"/>
+                <a:ext cx="1495425" cy="718567"/>
+              </a:xfrm>
+              <a:prstGeom prst="rect">
+                <a:avLst/>
+              </a:prstGeom>
+              <a:noFill/>
+            </p:spPr>
+          </p:pic>
+          <p:grpSp>
+            <p:nvGrpSpPr>
+              <p:cNvPr id="92" name="Group 56"/>
+              <p:cNvGrpSpPr/>
+              <p:nvPr/>
+            </p:nvGrpSpPr>
+            <p:grpSpPr>
+              <a:xfrm>
+                <a:off x="1403648" y="2087137"/>
+                <a:ext cx="45719" cy="333751"/>
+                <a:chOff x="1403648" y="2087137"/>
+                <a:chExt cx="45719" cy="333751"/>
+              </a:xfrm>
+            </p:grpSpPr>
+            <p:sp>
+              <p:nvSpPr>
+                <p:cNvPr id="104" name="Oval 103"/>
+                <p:cNvSpPr/>
+                <p:nvPr/>
+              </p:nvSpPr>
+              <p:spPr>
+                <a:xfrm flipH="1" flipV="1">
+                  <a:off x="1403648" y="2087137"/>
+                  <a:ext cx="45719" cy="45719"/>
+                </a:xfrm>
+                <a:prstGeom prst="ellipse">
+                  <a:avLst/>
+                </a:prstGeom>
+                <a:solidFill>
+                  <a:schemeClr val="tx1"/>
+                </a:solidFill>
+                <a:ln>
+                  <a:noFill/>
+                </a:ln>
+              </p:spPr>
+              <p:style>
+                <a:lnRef idx="2">
+                  <a:schemeClr val="accent1">
+                    <a:shade val="50000"/>
+                  </a:schemeClr>
+                </a:lnRef>
+                <a:fillRef idx="1">
+                  <a:schemeClr val="accent1"/>
+                </a:fillRef>
+                <a:effectRef idx="0">
+                  <a:schemeClr val="accent1"/>
+                </a:effectRef>
+                <a:fontRef idx="minor">
+                  <a:schemeClr val="lt1"/>
+                </a:fontRef>
+              </p:style>
+              <p:txBody>
+                <a:bodyPr rtlCol="0" anchor="ctr"/>
+                <a:lstStyle/>
+                <a:p>
+                  <a:pPr algn="ctr"/>
+                  <a:endParaRPr lang="en-US"/>
+                </a:p>
+              </p:txBody>
+            </p:sp>
+            <p:sp>
+              <p:nvSpPr>
+                <p:cNvPr id="105" name="Oval 104"/>
+                <p:cNvSpPr/>
+                <p:nvPr/>
+              </p:nvSpPr>
+              <p:spPr>
+                <a:xfrm flipH="1" flipV="1">
+                  <a:off x="1403648" y="2231153"/>
+                  <a:ext cx="45719" cy="45719"/>
+                </a:xfrm>
+                <a:prstGeom prst="ellipse">
+                  <a:avLst/>
+                </a:prstGeom>
+                <a:solidFill>
+                  <a:schemeClr val="tx1"/>
+                </a:solidFill>
+                <a:ln>
+                  <a:noFill/>
+                </a:ln>
+              </p:spPr>
+              <p:style>
+                <a:lnRef idx="2">
+                  <a:schemeClr val="accent1">
+                    <a:shade val="50000"/>
+                  </a:schemeClr>
+                </a:lnRef>
+                <a:fillRef idx="1">
+                  <a:schemeClr val="accent1"/>
+                </a:fillRef>
+                <a:effectRef idx="0">
+                  <a:schemeClr val="accent1"/>
+                </a:effectRef>
+                <a:fontRef idx="minor">
+                  <a:schemeClr val="lt1"/>
+                </a:fontRef>
+              </p:style>
+              <p:txBody>
+                <a:bodyPr rtlCol="0" anchor="ctr"/>
+                <a:lstStyle/>
+                <a:p>
+                  <a:pPr algn="ctr"/>
+                  <a:endParaRPr lang="en-US"/>
+                </a:p>
+              </p:txBody>
+            </p:sp>
+            <p:sp>
+              <p:nvSpPr>
+                <p:cNvPr id="106" name="Oval 105"/>
+                <p:cNvSpPr/>
+                <p:nvPr/>
+              </p:nvSpPr>
+              <p:spPr>
+                <a:xfrm flipH="1" flipV="1">
+                  <a:off x="1403648" y="2375169"/>
+                  <a:ext cx="45719" cy="45719"/>
+                </a:xfrm>
+                <a:prstGeom prst="ellipse">
+                  <a:avLst/>
+                </a:prstGeom>
+                <a:solidFill>
+                  <a:schemeClr val="tx1"/>
+                </a:solidFill>
+                <a:ln>
+                  <a:noFill/>
+                </a:ln>
+              </p:spPr>
+              <p:style>
+                <a:lnRef idx="2">
+                  <a:schemeClr val="accent1">
+                    <a:shade val="50000"/>
+                  </a:schemeClr>
+                </a:lnRef>
+                <a:fillRef idx="1">
+                  <a:schemeClr val="accent1"/>
+                </a:fillRef>
+                <a:effectRef idx="0">
+                  <a:schemeClr val="accent1"/>
+                </a:effectRef>
+                <a:fontRef idx="minor">
+                  <a:schemeClr val="lt1"/>
+                </a:fontRef>
+              </p:style>
+              <p:txBody>
+                <a:bodyPr rtlCol="0" anchor="ctr"/>
+                <a:lstStyle/>
+                <a:p>
+                  <a:pPr algn="ctr"/>
+                  <a:endParaRPr lang="en-US"/>
+                </a:p>
+              </p:txBody>
+            </p:sp>
+          </p:grpSp>
+          <p:grpSp>
+            <p:nvGrpSpPr>
+              <p:cNvPr id="93" name="Group 34"/>
+              <p:cNvGrpSpPr/>
+              <p:nvPr/>
+            </p:nvGrpSpPr>
+            <p:grpSpPr>
+              <a:xfrm>
+                <a:off x="844251" y="1203598"/>
+                <a:ext cx="1460105" cy="828675"/>
+                <a:chOff x="5740795" y="4437112"/>
+                <a:chExt cx="1460105" cy="828675"/>
+              </a:xfrm>
+            </p:grpSpPr>
+            <p:pic>
+              <p:nvPicPr>
+                <p:cNvPr id="98" name="Picture 5" descr="E:\GitHub\Thesis\Chapter4_MultiAPR\Chapter4Figs\Training\pulse2.png"/>
+                <p:cNvPicPr>
+                  <a:picLocks noChangeAspect="1" noChangeArrowheads="1"/>
+                </p:cNvPicPr>
+                <p:nvPr/>
+              </p:nvPicPr>
+              <p:blipFill>
+                <a:blip r:embed="rId3" cstate="print"/>
+                <a:srcRect l="2882" r="23434"/>
+                <a:stretch>
+                  <a:fillRect/>
+                </a:stretch>
+              </p:blipFill>
+              <p:spPr bwMode="auto">
+                <a:xfrm>
+                  <a:off x="6056908" y="4437112"/>
+                  <a:ext cx="1143992" cy="828675"/>
+                </a:xfrm>
+                <a:prstGeom prst="rect">
+                  <a:avLst/>
+                </a:prstGeom>
+                <a:noFill/>
+              </p:spPr>
+            </p:pic>
+            <p:pic>
+              <p:nvPicPr>
+                <p:cNvPr id="99" name="Picture 5" descr="E:\GitHub\Thesis\Chapter4_MultiAPR\Chapter4Figs\Training\pulse2.png"/>
+                <p:cNvPicPr>
+                  <a:picLocks noChangeAspect="1" noChangeArrowheads="1"/>
+                </p:cNvPicPr>
+                <p:nvPr/>
+              </p:nvPicPr>
+              <p:blipFill>
+                <a:blip r:embed="rId3" cstate="print"/>
+                <a:srcRect l="90855" r="4845"/>
+                <a:stretch>
+                  <a:fillRect/>
+                </a:stretch>
+              </p:blipFill>
+              <p:spPr bwMode="auto">
+                <a:xfrm>
+                  <a:off x="6005508" y="4437112"/>
+                  <a:ext cx="66755" cy="828675"/>
+                </a:xfrm>
+                <a:prstGeom prst="rect">
+                  <a:avLst/>
+                </a:prstGeom>
+                <a:noFill/>
+              </p:spPr>
+            </p:pic>
+            <p:pic>
+              <p:nvPicPr>
+                <p:cNvPr id="100" name="Picture 5" descr="E:\GitHub\Thesis\Chapter4_MultiAPR\Chapter4Figs\Training\pulse2.png"/>
+                <p:cNvPicPr>
+                  <a:picLocks noChangeAspect="1" noChangeArrowheads="1"/>
+                </p:cNvPicPr>
+                <p:nvPr/>
+              </p:nvPicPr>
+              <p:blipFill>
+                <a:blip r:embed="rId3" cstate="print"/>
+                <a:srcRect l="90855" r="4845"/>
+                <a:stretch>
+                  <a:fillRect/>
+                </a:stretch>
+              </p:blipFill>
+              <p:spPr bwMode="auto">
+                <a:xfrm>
+                  <a:off x="5940152" y="4437112"/>
+                  <a:ext cx="66755" cy="828675"/>
+                </a:xfrm>
+                <a:prstGeom prst="rect">
+                  <a:avLst/>
+                </a:prstGeom>
+                <a:noFill/>
+              </p:spPr>
+            </p:pic>
+            <p:pic>
+              <p:nvPicPr>
+                <p:cNvPr id="101" name="Picture 5" descr="E:\GitHub\Thesis\Chapter4_MultiAPR\Chapter4Figs\Training\pulse2.png"/>
+                <p:cNvPicPr>
+                  <a:picLocks noChangeAspect="1" noChangeArrowheads="1"/>
+                </p:cNvPicPr>
+                <p:nvPr/>
+              </p:nvPicPr>
+              <p:blipFill>
+                <a:blip r:embed="rId3" cstate="print"/>
+                <a:srcRect l="90855" r="4845"/>
+                <a:stretch>
+                  <a:fillRect/>
+                </a:stretch>
+              </p:blipFill>
+              <p:spPr bwMode="auto">
+                <a:xfrm>
+                  <a:off x="5872906" y="4437112"/>
+                  <a:ext cx="66755" cy="828675"/>
+                </a:xfrm>
+                <a:prstGeom prst="rect">
+                  <a:avLst/>
+                </a:prstGeom>
+                <a:noFill/>
+              </p:spPr>
+            </p:pic>
+            <p:pic>
+              <p:nvPicPr>
+                <p:cNvPr id="102" name="Picture 5" descr="E:\GitHub\Thesis\Chapter4_MultiAPR\Chapter4Figs\Training\pulse2.png"/>
+                <p:cNvPicPr>
+                  <a:picLocks noChangeAspect="1" noChangeArrowheads="1"/>
+                </p:cNvPicPr>
+                <p:nvPr/>
+              </p:nvPicPr>
+              <p:blipFill>
+                <a:blip r:embed="rId3" cstate="print"/>
+                <a:srcRect l="90855" r="4845"/>
+                <a:stretch>
+                  <a:fillRect/>
+                </a:stretch>
+              </p:blipFill>
+              <p:spPr bwMode="auto">
+                <a:xfrm>
+                  <a:off x="5805660" y="4437112"/>
+                  <a:ext cx="66755" cy="828675"/>
+                </a:xfrm>
+                <a:prstGeom prst="rect">
+                  <a:avLst/>
+                </a:prstGeom>
+                <a:noFill/>
+              </p:spPr>
+            </p:pic>
+            <p:pic>
+              <p:nvPicPr>
+                <p:cNvPr id="103" name="Picture 5" descr="E:\GitHub\Thesis\Chapter4_MultiAPR\Chapter4Figs\Training\pulse2.png"/>
+                <p:cNvPicPr>
+                  <a:picLocks noChangeAspect="1" noChangeArrowheads="1"/>
+                </p:cNvPicPr>
+                <p:nvPr/>
+              </p:nvPicPr>
+              <p:blipFill>
+                <a:blip r:embed="rId3" cstate="print"/>
+                <a:srcRect l="90855" r="4845"/>
+                <a:stretch>
+                  <a:fillRect/>
+                </a:stretch>
+              </p:blipFill>
+              <p:spPr bwMode="auto">
+                <a:xfrm>
+                  <a:off x="5740795" y="4437112"/>
+                  <a:ext cx="66755" cy="828675"/>
+                </a:xfrm>
+                <a:prstGeom prst="rect">
+                  <a:avLst/>
+                </a:prstGeom>
+                <a:noFill/>
+              </p:spPr>
+            </p:pic>
+          </p:grpSp>
+          <p:grpSp>
+            <p:nvGrpSpPr>
+              <p:cNvPr id="94" name="Group 28"/>
+              <p:cNvGrpSpPr/>
+              <p:nvPr/>
+            </p:nvGrpSpPr>
+            <p:grpSpPr>
+              <a:xfrm>
+                <a:off x="852537" y="2565276"/>
+                <a:ext cx="1432769" cy="676275"/>
+                <a:chOff x="5633640" y="5445224"/>
+                <a:chExt cx="1432769" cy="676275"/>
+              </a:xfrm>
+            </p:grpSpPr>
+            <p:pic>
+              <p:nvPicPr>
+                <p:cNvPr id="95" name="Picture 6" descr="E:\GitHub\Thesis\Chapter4_MultiAPR\Chapter4Figs\Training\pulse3.png"/>
+                <p:cNvPicPr>
+                  <a:picLocks noChangeAspect="1" noChangeArrowheads="1"/>
+                </p:cNvPicPr>
+                <p:nvPr/>
+              </p:nvPicPr>
+              <p:blipFill>
+                <a:blip r:embed="rId4" cstate="print"/>
+                <a:srcRect r="14072"/>
+                <a:stretch>
+                  <a:fillRect/>
+                </a:stretch>
+              </p:blipFill>
+              <p:spPr bwMode="auto">
+                <a:xfrm>
+                  <a:off x="5724128" y="5445224"/>
+                  <a:ext cx="1342281" cy="676275"/>
+                </a:xfrm>
+                <a:prstGeom prst="rect">
+                  <a:avLst/>
+                </a:prstGeom>
+                <a:noFill/>
+              </p:spPr>
+            </p:pic>
+            <p:pic>
+              <p:nvPicPr>
+                <p:cNvPr id="96" name="Picture 6" descr="E:\GitHub\Thesis\Chapter4_MultiAPR\Chapter4Figs\Training\pulse3.png"/>
+                <p:cNvPicPr>
+                  <a:picLocks noChangeAspect="1" noChangeArrowheads="1"/>
+                </p:cNvPicPr>
+                <p:nvPr/>
+              </p:nvPicPr>
+              <p:blipFill>
+                <a:blip r:embed="rId4" cstate="print"/>
+                <a:srcRect l="90122" r="4085"/>
+                <a:stretch>
+                  <a:fillRect/>
+                </a:stretch>
+              </p:blipFill>
+              <p:spPr bwMode="auto">
+                <a:xfrm>
+                  <a:off x="5705648" y="5445224"/>
+                  <a:ext cx="90488" cy="676275"/>
+                </a:xfrm>
+                <a:prstGeom prst="rect">
+                  <a:avLst/>
+                </a:prstGeom>
+                <a:noFill/>
+              </p:spPr>
+            </p:pic>
+            <p:pic>
+              <p:nvPicPr>
+                <p:cNvPr id="97" name="Picture 6" descr="E:\GitHub\Thesis\Chapter4_MultiAPR\Chapter4Figs\Training\pulse3.png"/>
+                <p:cNvPicPr>
+                  <a:picLocks noChangeAspect="1" noChangeArrowheads="1"/>
+                </p:cNvPicPr>
+                <p:nvPr/>
+              </p:nvPicPr>
+              <p:blipFill>
+                <a:blip r:embed="rId4" cstate="print"/>
+                <a:srcRect l="90122" r="4085"/>
+                <a:stretch>
+                  <a:fillRect/>
+                </a:stretch>
+              </p:blipFill>
+              <p:spPr bwMode="auto">
+                <a:xfrm>
+                  <a:off x="5633640" y="5445224"/>
+                  <a:ext cx="90488" cy="676275"/>
+                </a:xfrm>
+                <a:prstGeom prst="rect">
+                  <a:avLst/>
+                </a:prstGeom>
+                <a:noFill/>
+              </p:spPr>
+            </p:pic>
+          </p:grpSp>
+        </p:grpSp>
+        <p:sp>
+          <p:nvSpPr>
+            <p:cNvPr id="111" name="Rectangle 110"/>
+            <p:cNvSpPr/>
+            <p:nvPr/>
+          </p:nvSpPr>
+          <p:spPr>
+            <a:xfrm>
+              <a:off x="1019037" y="3925436"/>
+              <a:ext cx="406192" cy="262548"/>
             </a:xfrm>
             <a:prstGeom prst="rect">
               <a:avLst/>
             </a:prstGeom>
-            <a:noFill/>
-          </p:spPr>
-        </p:pic>
-        <p:pic>
-          <p:nvPicPr>
-            <p:cNvPr id="20" name="Picture 5" descr="E:\GitHub\Thesis\Chapter4_MultiAPR\Chapter4Figs\Training\pulse2.png"/>
-            <p:cNvPicPr>
-              <a:picLocks noChangeAspect="1" noChangeArrowheads="1"/>
-            </p:cNvPicPr>
-            <p:nvPr/>
-          </p:nvPicPr>
-          <p:blipFill>
-            <a:blip r:embed="rId2" cstate="print"/>
-            <a:srcRect l="90855" r="4845"/>
-            <a:stretch>
-              <a:fillRect/>
-            </a:stretch>
-          </p:blipFill>
-          <p:spPr bwMode="auto">
-            <a:xfrm>
-              <a:off x="6005508" y="4437112"/>
-              <a:ext cx="66755" cy="828675"/>
-            </a:xfrm>
-            <a:prstGeom prst="rect">
-              <a:avLst/>
-            </a:prstGeom>
-            <a:noFill/>
-          </p:spPr>
-        </p:pic>
-        <p:pic>
-          <p:nvPicPr>
-            <p:cNvPr id="21" name="Picture 5" descr="E:\GitHub\Thesis\Chapter4_MultiAPR\Chapter4Figs\Training\pulse2.png"/>
-            <p:cNvPicPr>
-              <a:picLocks noChangeAspect="1" noChangeArrowheads="1"/>
-            </p:cNvPicPr>
-            <p:nvPr/>
-          </p:nvPicPr>
-          <p:blipFill>
-            <a:blip r:embed="rId2" cstate="print"/>
-            <a:srcRect l="90855" r="4845"/>
-            <a:stretch>
-              <a:fillRect/>
-            </a:stretch>
-          </p:blipFill>
-          <p:spPr bwMode="auto">
-            <a:xfrm>
-              <a:off x="5940152" y="4437112"/>
-              <a:ext cx="66755" cy="828675"/>
-            </a:xfrm>
-            <a:prstGeom prst="rect">
-              <a:avLst/>
-            </a:prstGeom>
-            <a:noFill/>
-          </p:spPr>
-        </p:pic>
-        <p:pic>
-          <p:nvPicPr>
-            <p:cNvPr id="22" name="Picture 5" descr="E:\GitHub\Thesis\Chapter4_MultiAPR\Chapter4Figs\Training\pulse2.png"/>
-            <p:cNvPicPr>
-              <a:picLocks noChangeAspect="1" noChangeArrowheads="1"/>
-            </p:cNvPicPr>
-            <p:nvPr/>
-          </p:nvPicPr>
-          <p:blipFill>
-            <a:blip r:embed="rId2" cstate="print"/>
-            <a:srcRect l="90855" r="4845"/>
-            <a:stretch>
-              <a:fillRect/>
-            </a:stretch>
-          </p:blipFill>
-          <p:spPr bwMode="auto">
-            <a:xfrm>
-              <a:off x="5872906" y="4437112"/>
-              <a:ext cx="66755" cy="828675"/>
-            </a:xfrm>
-            <a:prstGeom prst="rect">
-              <a:avLst/>
-            </a:prstGeom>
-            <a:noFill/>
-          </p:spPr>
-        </p:pic>
-        <p:pic>
-          <p:nvPicPr>
-            <p:cNvPr id="23" name="Picture 5" descr="E:\GitHub\Thesis\Chapter4_MultiAPR\Chapter4Figs\Training\pulse2.png"/>
-            <p:cNvPicPr>
-              <a:picLocks noChangeAspect="1" noChangeArrowheads="1"/>
-            </p:cNvPicPr>
-            <p:nvPr/>
-          </p:nvPicPr>
-          <p:blipFill>
-            <a:blip r:embed="rId2" cstate="print"/>
-            <a:srcRect l="90855" r="4845"/>
-            <a:stretch>
-              <a:fillRect/>
-            </a:stretch>
-          </p:blipFill>
-          <p:spPr bwMode="auto">
-            <a:xfrm>
-              <a:off x="5805660" y="4437112"/>
-              <a:ext cx="66755" cy="828675"/>
-            </a:xfrm>
-            <a:prstGeom prst="rect">
-              <a:avLst/>
-            </a:prstGeom>
-            <a:noFill/>
-          </p:spPr>
-        </p:pic>
-        <p:pic>
-          <p:nvPicPr>
-            <p:cNvPr id="24" name="Picture 5" descr="E:\GitHub\Thesis\Chapter4_MultiAPR\Chapter4Figs\Training\pulse2.png"/>
-            <p:cNvPicPr>
-              <a:picLocks noChangeAspect="1" noChangeArrowheads="1"/>
-            </p:cNvPicPr>
-            <p:nvPr/>
-          </p:nvPicPr>
-          <p:blipFill>
-            <a:blip r:embed="rId2" cstate="print"/>
-            <a:srcRect l="90855" r="4845"/>
-            <a:stretch>
-              <a:fillRect/>
-            </a:stretch>
-          </p:blipFill>
-          <p:spPr bwMode="auto">
-            <a:xfrm>
-              <a:off x="5740795" y="4437112"/>
-              <a:ext cx="66755" cy="828675"/>
-            </a:xfrm>
-            <a:prstGeom prst="rect">
-              <a:avLst/>
-            </a:prstGeom>
-            <a:noFill/>
-          </p:spPr>
-        </p:pic>
-      </p:grpSp>
-      <p:grpSp>
-        <p:nvGrpSpPr>
-          <p:cNvPr id="6" name="Group 28"/>
-          <p:cNvGrpSpPr/>
-          <p:nvPr/>
-        </p:nvGrpSpPr>
-        <p:grpSpPr>
-          <a:xfrm>
-            <a:off x="852537" y="2565276"/>
-            <a:ext cx="1432769" cy="676275"/>
-            <a:chOff x="5633640" y="5445224"/>
-            <a:chExt cx="1432769" cy="676275"/>
-          </a:xfrm>
-        </p:grpSpPr>
-        <p:pic>
-          <p:nvPicPr>
-            <p:cNvPr id="26" name="Picture 6" descr="E:\GitHub\Thesis\Chapter4_MultiAPR\Chapter4Figs\Training\pulse3.png"/>
-            <p:cNvPicPr>
-              <a:picLocks noChangeAspect="1" noChangeArrowheads="1"/>
-            </p:cNvPicPr>
-            <p:nvPr/>
-          </p:nvPicPr>
-          <p:blipFill>
-            <a:blip r:embed="rId3" cstate="print"/>
-            <a:srcRect r="14072"/>
-            <a:stretch>
-              <a:fillRect/>
-            </a:stretch>
-          </p:blipFill>
-          <p:spPr bwMode="auto">
-            <a:xfrm>
-              <a:off x="5724128" y="5445224"/>
-              <a:ext cx="1342281" cy="676275"/>
-            </a:xfrm>
-            <a:prstGeom prst="rect">
-              <a:avLst/>
-            </a:prstGeom>
-            <a:noFill/>
-          </p:spPr>
-        </p:pic>
-        <p:pic>
-          <p:nvPicPr>
-            <p:cNvPr id="27" name="Picture 6" descr="E:\GitHub\Thesis\Chapter4_MultiAPR\Chapter4Figs\Training\pulse3.png"/>
-            <p:cNvPicPr>
-              <a:picLocks noChangeAspect="1" noChangeArrowheads="1"/>
-            </p:cNvPicPr>
-            <p:nvPr/>
-          </p:nvPicPr>
-          <p:blipFill>
-            <a:blip r:embed="rId3" cstate="print"/>
-            <a:srcRect l="90122" r="4085"/>
-            <a:stretch>
-              <a:fillRect/>
-            </a:stretch>
-          </p:blipFill>
-          <p:spPr bwMode="auto">
-            <a:xfrm>
-              <a:off x="5705648" y="5445224"/>
-              <a:ext cx="90488" cy="676275"/>
-            </a:xfrm>
-            <a:prstGeom prst="rect">
-              <a:avLst/>
-            </a:prstGeom>
-            <a:noFill/>
-          </p:spPr>
-        </p:pic>
-        <p:pic>
-          <p:nvPicPr>
-            <p:cNvPr id="28" name="Picture 6" descr="E:\GitHub\Thesis\Chapter4_MultiAPR\Chapter4Figs\Training\pulse3.png"/>
-            <p:cNvPicPr>
-              <a:picLocks noChangeAspect="1" noChangeArrowheads="1"/>
-            </p:cNvPicPr>
-            <p:nvPr/>
-          </p:nvPicPr>
-          <p:blipFill>
-            <a:blip r:embed="rId3" cstate="print"/>
-            <a:srcRect l="90122" r="4085"/>
-            <a:stretch>
-              <a:fillRect/>
-            </a:stretch>
-          </p:blipFill>
-          <p:spPr bwMode="auto">
-            <a:xfrm>
-              <a:off x="5633640" y="5445224"/>
-              <a:ext cx="90488" cy="676275"/>
-            </a:xfrm>
-            <a:prstGeom prst="rect">
-              <a:avLst/>
-            </a:prstGeom>
-            <a:noFill/>
-          </p:spPr>
-        </p:pic>
-      </p:grpSp>
-      <p:pic>
-        <p:nvPicPr>
-          <p:cNvPr id="30" name="Picture 4" descr="E:\GitHub\Thesis\Chapter4_MultiAPR\Chapter4Figs\Training\pulse1.png"/>
-          <p:cNvPicPr>
-            <a:picLocks noChangeAspect="1" noChangeArrowheads="1"/>
-          </p:cNvPicPr>
-          <p:nvPr/>
-        </p:nvPicPr>
-        <p:blipFill>
-          <a:blip r:embed="rId4" cstate="print"/>
-          <a:srcRect/>
-          <a:stretch>
-            <a:fillRect/>
-          </a:stretch>
-        </p:blipFill>
-        <p:spPr bwMode="auto">
-          <a:xfrm>
-            <a:off x="827584" y="332656"/>
-            <a:ext cx="1495425" cy="790575"/>
-          </a:xfrm>
-          <a:prstGeom prst="rect">
-            <a:avLst/>
-          </a:prstGeom>
-          <a:noFill/>
-        </p:spPr>
-      </p:pic>
-      <p:grpSp>
-        <p:nvGrpSpPr>
-          <p:cNvPr id="57" name="Group 56"/>
-          <p:cNvGrpSpPr/>
-          <p:nvPr/>
-        </p:nvGrpSpPr>
-        <p:grpSpPr>
-          <a:xfrm>
-            <a:off x="1403648" y="2087137"/>
-            <a:ext cx="45719" cy="333751"/>
-            <a:chOff x="1403648" y="2087137"/>
-            <a:chExt cx="45719" cy="333751"/>
-          </a:xfrm>
-        </p:grpSpPr>
-        <p:sp>
-          <p:nvSpPr>
-            <p:cNvPr id="38" name="Oval 37"/>
-            <p:cNvSpPr/>
-            <p:nvPr/>
-          </p:nvSpPr>
-          <p:spPr>
-            <a:xfrm flipH="1" flipV="1">
-              <a:off x="1403648" y="2087137"/>
-              <a:ext cx="45719" cy="45719"/>
-            </a:xfrm>
-            <a:prstGeom prst="ellipse">
-              <a:avLst/>
-            </a:prstGeom>
             <a:solidFill>
-              <a:schemeClr val="tx1"/>
+              <a:schemeClr val="bg1"/>
             </a:solidFill>
-            <a:ln>
-              <a:noFill/>
-            </a:ln>
-          </p:spPr>
-          <p:style>
-            <a:lnRef idx="2">
-              <a:schemeClr val="accent1">
-                <a:shade val="50000"/>
-              </a:schemeClr>
-            </a:lnRef>
-            <a:fillRef idx="1">
-              <a:schemeClr val="accent1"/>
-            </a:fillRef>
-            <a:effectRef idx="0">
-              <a:schemeClr val="accent1"/>
-            </a:effectRef>
-            <a:fontRef idx="minor">
-              <a:schemeClr val="lt1"/>
-            </a:fontRef>
-          </p:style>
-          <p:txBody>
-            <a:bodyPr rtlCol="0" anchor="ctr"/>
-            <a:lstStyle/>
-            <a:p>
-              <a:pPr algn="ctr"/>
-              <a:endParaRPr lang="en-US"/>
-            </a:p>
-          </p:txBody>
-        </p:sp>
-        <p:sp>
-          <p:nvSpPr>
-            <p:cNvPr id="39" name="Oval 38"/>
-            <p:cNvSpPr/>
-            <p:nvPr/>
-          </p:nvSpPr>
-          <p:spPr>
-            <a:xfrm flipH="1" flipV="1">
-              <a:off x="1403648" y="2231153"/>
-              <a:ext cx="45719" cy="45719"/>
-            </a:xfrm>
-            <a:prstGeom prst="ellipse">
-              <a:avLst/>
-            </a:prstGeom>
-            <a:solidFill>
-              <a:schemeClr val="tx1"/>
-            </a:solidFill>
-            <a:ln>
-              <a:noFill/>
-            </a:ln>
-          </p:spPr>
-          <p:style>
-            <a:lnRef idx="2">
-              <a:schemeClr val="accent1">
-                <a:shade val="50000"/>
-              </a:schemeClr>
-            </a:lnRef>
-            <a:fillRef idx="1">
-              <a:schemeClr val="accent1"/>
-            </a:fillRef>
-            <a:effectRef idx="0">
-              <a:schemeClr val="accent1"/>
-            </a:effectRef>
-            <a:fontRef idx="minor">
-              <a:schemeClr val="lt1"/>
-            </a:fontRef>
-          </p:style>
-          <p:txBody>
-            <a:bodyPr rtlCol="0" anchor="ctr"/>
-            <a:lstStyle/>
-            <a:p>
-              <a:pPr algn="ctr"/>
-              <a:endParaRPr lang="en-US"/>
-            </a:p>
-          </p:txBody>
-        </p:sp>
-        <p:sp>
-          <p:nvSpPr>
-            <p:cNvPr id="40" name="Oval 39"/>
-            <p:cNvSpPr/>
-            <p:nvPr/>
-          </p:nvSpPr>
-          <p:spPr>
-            <a:xfrm flipH="1" flipV="1">
-              <a:off x="1403648" y="2375169"/>
-              <a:ext cx="45719" cy="45719"/>
-            </a:xfrm>
-            <a:prstGeom prst="ellipse">
-              <a:avLst/>
-            </a:prstGeom>
-            <a:solidFill>
-              <a:schemeClr val="tx1"/>
-            </a:solidFill>
-            <a:ln>
-              <a:noFill/>
+            <a:ln w="12700">
+              <a:solidFill>
+                <a:schemeClr val="tx1"/>
+              </a:solidFill>
             </a:ln>
           </p:spPr>
           <p:style>
@@ -7636,52 +8709,6 @@
           </p:txBody>
         </p:sp>
       </p:grpSp>
-      <p:sp>
-        <p:nvSpPr>
-          <p:cNvPr id="43" name="Rectangle 42"/>
-          <p:cNvSpPr/>
-          <p:nvPr/>
-        </p:nvSpPr>
-        <p:spPr>
-          <a:xfrm>
-            <a:off x="683568" y="332656"/>
-            <a:ext cx="1800200" cy="3168352"/>
-          </a:xfrm>
-          <a:prstGeom prst="rect">
-            <a:avLst/>
-          </a:prstGeom>
-          <a:noFill/>
-          <a:ln>
-            <a:solidFill>
-              <a:schemeClr val="tx1"/>
-            </a:solidFill>
-          </a:ln>
-        </p:spPr>
-        <p:style>
-          <a:lnRef idx="2">
-            <a:schemeClr val="accent1">
-              <a:shade val="50000"/>
-            </a:schemeClr>
-          </a:lnRef>
-          <a:fillRef idx="1">
-            <a:schemeClr val="accent1"/>
-          </a:fillRef>
-          <a:effectRef idx="0">
-            <a:schemeClr val="accent1"/>
-          </a:effectRef>
-          <a:fontRef idx="minor">
-            <a:schemeClr val="lt1"/>
-          </a:fontRef>
-        </p:style>
-        <p:txBody>
-          <a:bodyPr rtlCol="0" anchor="ctr"/>
-          <a:lstStyle/>
-          <a:p>
-            <a:pPr algn="ctr"/>
-            <a:endParaRPr lang="en-US"/>
-          </a:p>
-        </p:txBody>
-      </p:sp>
       <p:pic>
         <p:nvPicPr>
           <p:cNvPr id="2055" name="Picture 7" descr="E:\GitHub\Thesis\Chapter4_MultiAPR\Chapter4Figs\Training\tpulse1.png"/>
@@ -7699,7 +8726,7 @@
         </p:blipFill>
         <p:spPr bwMode="auto">
           <a:xfrm>
-            <a:off x="5796136" y="332656"/>
+            <a:off x="5652120" y="332656"/>
             <a:ext cx="1584176" cy="928655"/>
           </a:xfrm>
           <a:prstGeom prst="rect">
@@ -7725,7 +8752,7 @@
         </p:blipFill>
         <p:spPr bwMode="auto">
           <a:xfrm>
-            <a:off x="3203848" y="2492896"/>
+            <a:off x="3059832" y="2492896"/>
             <a:ext cx="1584176" cy="1008112"/>
           </a:xfrm>
           <a:prstGeom prst="rect">
@@ -7751,7 +8778,7 @@
         </p:blipFill>
         <p:spPr bwMode="auto">
           <a:xfrm>
-            <a:off x="5796136" y="2492896"/>
+            <a:off x="5652120" y="2492896"/>
             <a:ext cx="1584176" cy="1008112"/>
           </a:xfrm>
           <a:prstGeom prst="rect">
@@ -7777,7 +8804,7 @@
         </p:blipFill>
         <p:spPr bwMode="auto">
           <a:xfrm>
-            <a:off x="5796136" y="1268760"/>
+            <a:off x="5652120" y="1268760"/>
             <a:ext cx="1584176" cy="792088"/>
           </a:xfrm>
           <a:prstGeom prst="rect">
@@ -7803,7 +8830,7 @@
         </p:blipFill>
         <p:spPr bwMode="auto">
           <a:xfrm>
-            <a:off x="3203848" y="404664"/>
+            <a:off x="3059832" y="404664"/>
             <a:ext cx="1584176" cy="936104"/>
           </a:xfrm>
           <a:prstGeom prst="rect">
@@ -7829,7 +8856,7 @@
         </p:blipFill>
         <p:spPr bwMode="auto">
           <a:xfrm>
-            <a:off x="3203848" y="1196752"/>
+            <a:off x="3059832" y="1196752"/>
             <a:ext cx="1584176" cy="888214"/>
           </a:xfrm>
           <a:prstGeom prst="rect">
@@ -7846,7 +8873,7 @@
         </p:nvGrpSpPr>
         <p:grpSpPr>
           <a:xfrm>
-            <a:off x="3779912" y="2132856"/>
+            <a:off x="3635896" y="2132856"/>
             <a:ext cx="45719" cy="333751"/>
             <a:chOff x="1403648" y="2087137"/>
             <a:chExt cx="45719" cy="333751"/>
@@ -7999,7 +9026,7 @@
         </p:nvGrpSpPr>
         <p:grpSpPr>
           <a:xfrm>
-            <a:off x="6372200" y="2132856"/>
+            <a:off x="6228184" y="2132856"/>
             <a:ext cx="45719" cy="333751"/>
             <a:chOff x="1403648" y="2087137"/>
             <a:chExt cx="45719" cy="333751"/>
@@ -8152,7 +9179,7 @@
         </p:nvGrpSpPr>
         <p:grpSpPr>
           <a:xfrm rot="16200000">
-            <a:off x="5292080" y="620688"/>
+            <a:off x="5148064" y="620688"/>
             <a:ext cx="45719" cy="333751"/>
             <a:chOff x="1403648" y="2087137"/>
             <a:chExt cx="45719" cy="333751"/>
@@ -8305,7 +9332,7 @@
         </p:nvGrpSpPr>
         <p:grpSpPr>
           <a:xfrm rot="16200000">
-            <a:off x="5292080" y="1412776"/>
+            <a:off x="5148064" y="1412776"/>
             <a:ext cx="45719" cy="333751"/>
             <a:chOff x="1403648" y="2087137"/>
             <a:chExt cx="45719" cy="333751"/>
@@ -8458,7 +9485,7 @@
         </p:nvGrpSpPr>
         <p:grpSpPr>
           <a:xfrm rot="16200000">
-            <a:off x="5292080" y="2780928"/>
+            <a:off x="5148064" y="2780928"/>
             <a:ext cx="45719" cy="333751"/>
             <a:chOff x="1403648" y="2087137"/>
             <a:chExt cx="45719" cy="333751"/>
@@ -8611,7 +9638,7 @@
         </p:nvSpPr>
         <p:spPr>
           <a:xfrm>
-            <a:off x="3131840" y="332656"/>
+            <a:off x="2987824" y="332656"/>
             <a:ext cx="1800200" cy="3168352"/>
           </a:xfrm>
           <a:prstGeom prst="rect">
@@ -8658,7 +9685,7 @@
         </p:nvSpPr>
         <p:spPr>
           <a:xfrm>
-            <a:off x="5724128" y="332656"/>
+            <a:off x="5580112" y="332656"/>
             <a:ext cx="1800200" cy="3168352"/>
           </a:xfrm>
           <a:prstGeom prst="rect">
@@ -8697,6 +9724,1297 @@
           </a:p>
         </p:txBody>
       </p:sp>
+      <p:grpSp>
+        <p:nvGrpSpPr>
+          <p:cNvPr id="110" name="Group 109"/>
+          <p:cNvGrpSpPr/>
+          <p:nvPr/>
+        </p:nvGrpSpPr>
+        <p:grpSpPr>
+          <a:xfrm>
+            <a:off x="691952" y="661739"/>
+            <a:ext cx="1800200" cy="3168352"/>
+            <a:chOff x="835968" y="692696"/>
+            <a:chExt cx="1800200" cy="3168352"/>
+          </a:xfrm>
+        </p:grpSpPr>
+        <p:grpSp>
+          <p:nvGrpSpPr>
+            <p:cNvPr id="48" name="Group 47"/>
+            <p:cNvGrpSpPr/>
+            <p:nvPr/>
+          </p:nvGrpSpPr>
+          <p:grpSpPr>
+            <a:xfrm>
+              <a:off x="835968" y="692696"/>
+              <a:ext cx="1800200" cy="3168352"/>
+              <a:chOff x="683568" y="332656"/>
+              <a:chExt cx="1800200" cy="3168352"/>
+            </a:xfrm>
+          </p:grpSpPr>
+          <p:sp>
+            <p:nvSpPr>
+              <p:cNvPr id="49" name="Rectangle 48"/>
+              <p:cNvSpPr/>
+              <p:nvPr/>
+            </p:nvSpPr>
+            <p:spPr>
+              <a:xfrm>
+                <a:off x="683568" y="332656"/>
+                <a:ext cx="1800200" cy="3168352"/>
+              </a:xfrm>
+              <a:prstGeom prst="rect">
+                <a:avLst/>
+              </a:prstGeom>
+              <a:solidFill>
+                <a:schemeClr val="bg1"/>
+              </a:solidFill>
+              <a:ln>
+                <a:solidFill>
+                  <a:schemeClr val="tx1"/>
+                </a:solidFill>
+              </a:ln>
+            </p:spPr>
+            <p:style>
+              <a:lnRef idx="2">
+                <a:schemeClr val="accent1">
+                  <a:shade val="50000"/>
+                </a:schemeClr>
+              </a:lnRef>
+              <a:fillRef idx="1">
+                <a:schemeClr val="accent1"/>
+              </a:fillRef>
+              <a:effectRef idx="0">
+                <a:schemeClr val="accent1"/>
+              </a:effectRef>
+              <a:fontRef idx="minor">
+                <a:schemeClr val="lt1"/>
+              </a:fontRef>
+            </p:style>
+            <p:txBody>
+              <a:bodyPr rtlCol="0" anchor="ctr"/>
+              <a:lstStyle/>
+              <a:p>
+                <a:pPr algn="ctr"/>
+                <a:endParaRPr lang="en-US"/>
+              </a:p>
+            </p:txBody>
+          </p:sp>
+          <p:pic>
+            <p:nvPicPr>
+              <p:cNvPr id="50" name="Picture 4" descr="E:\GitHub\Thesis\Chapter4_MultiAPR\Chapter4Figs\Training\pulse1.png"/>
+              <p:cNvPicPr>
+                <a:picLocks noChangeAspect="1" noChangeArrowheads="1"/>
+              </p:cNvPicPr>
+              <p:nvPr/>
+            </p:nvPicPr>
+            <p:blipFill>
+              <a:blip r:embed="rId2" cstate="print"/>
+              <a:srcRect t="9108"/>
+              <a:stretch>
+                <a:fillRect/>
+              </a:stretch>
+            </p:blipFill>
+            <p:spPr bwMode="auto">
+              <a:xfrm>
+                <a:off x="827584" y="404664"/>
+                <a:ext cx="1495425" cy="718567"/>
+              </a:xfrm>
+              <a:prstGeom prst="rect">
+                <a:avLst/>
+              </a:prstGeom>
+              <a:noFill/>
+            </p:spPr>
+          </p:pic>
+          <p:grpSp>
+            <p:nvGrpSpPr>
+              <p:cNvPr id="51" name="Group 56"/>
+              <p:cNvGrpSpPr/>
+              <p:nvPr/>
+            </p:nvGrpSpPr>
+            <p:grpSpPr>
+              <a:xfrm>
+                <a:off x="1403648" y="2087137"/>
+                <a:ext cx="45719" cy="333751"/>
+                <a:chOff x="1403648" y="2087137"/>
+                <a:chExt cx="45719" cy="333751"/>
+              </a:xfrm>
+            </p:grpSpPr>
+            <p:sp>
+              <p:nvSpPr>
+                <p:cNvPr id="86" name="Oval 85"/>
+                <p:cNvSpPr/>
+                <p:nvPr/>
+              </p:nvSpPr>
+              <p:spPr>
+                <a:xfrm flipH="1" flipV="1">
+                  <a:off x="1403648" y="2087137"/>
+                  <a:ext cx="45719" cy="45719"/>
+                </a:xfrm>
+                <a:prstGeom prst="ellipse">
+                  <a:avLst/>
+                </a:prstGeom>
+                <a:solidFill>
+                  <a:schemeClr val="tx1"/>
+                </a:solidFill>
+                <a:ln>
+                  <a:noFill/>
+                </a:ln>
+              </p:spPr>
+              <p:style>
+                <a:lnRef idx="2">
+                  <a:schemeClr val="accent1">
+                    <a:shade val="50000"/>
+                  </a:schemeClr>
+                </a:lnRef>
+                <a:fillRef idx="1">
+                  <a:schemeClr val="accent1"/>
+                </a:fillRef>
+                <a:effectRef idx="0">
+                  <a:schemeClr val="accent1"/>
+                </a:effectRef>
+                <a:fontRef idx="minor">
+                  <a:schemeClr val="lt1"/>
+                </a:fontRef>
+              </p:style>
+              <p:txBody>
+                <a:bodyPr rtlCol="0" anchor="ctr"/>
+                <a:lstStyle/>
+                <a:p>
+                  <a:pPr algn="ctr"/>
+                  <a:endParaRPr lang="en-US"/>
+                </a:p>
+              </p:txBody>
+            </p:sp>
+            <p:sp>
+              <p:nvSpPr>
+                <p:cNvPr id="87" name="Oval 86"/>
+                <p:cNvSpPr/>
+                <p:nvPr/>
+              </p:nvSpPr>
+              <p:spPr>
+                <a:xfrm flipH="1" flipV="1">
+                  <a:off x="1403648" y="2231153"/>
+                  <a:ext cx="45719" cy="45719"/>
+                </a:xfrm>
+                <a:prstGeom prst="ellipse">
+                  <a:avLst/>
+                </a:prstGeom>
+                <a:solidFill>
+                  <a:schemeClr val="tx1"/>
+                </a:solidFill>
+                <a:ln>
+                  <a:noFill/>
+                </a:ln>
+              </p:spPr>
+              <p:style>
+                <a:lnRef idx="2">
+                  <a:schemeClr val="accent1">
+                    <a:shade val="50000"/>
+                  </a:schemeClr>
+                </a:lnRef>
+                <a:fillRef idx="1">
+                  <a:schemeClr val="accent1"/>
+                </a:fillRef>
+                <a:effectRef idx="0">
+                  <a:schemeClr val="accent1"/>
+                </a:effectRef>
+                <a:fontRef idx="minor">
+                  <a:schemeClr val="lt1"/>
+                </a:fontRef>
+              </p:style>
+              <p:txBody>
+                <a:bodyPr rtlCol="0" anchor="ctr"/>
+                <a:lstStyle/>
+                <a:p>
+                  <a:pPr algn="ctr"/>
+                  <a:endParaRPr lang="en-US"/>
+                </a:p>
+              </p:txBody>
+            </p:sp>
+            <p:sp>
+              <p:nvSpPr>
+                <p:cNvPr id="88" name="Oval 87"/>
+                <p:cNvSpPr/>
+                <p:nvPr/>
+              </p:nvSpPr>
+              <p:spPr>
+                <a:xfrm flipH="1" flipV="1">
+                  <a:off x="1403648" y="2375169"/>
+                  <a:ext cx="45719" cy="45719"/>
+                </a:xfrm>
+                <a:prstGeom prst="ellipse">
+                  <a:avLst/>
+                </a:prstGeom>
+                <a:solidFill>
+                  <a:schemeClr val="tx1"/>
+                </a:solidFill>
+                <a:ln>
+                  <a:noFill/>
+                </a:ln>
+              </p:spPr>
+              <p:style>
+                <a:lnRef idx="2">
+                  <a:schemeClr val="accent1">
+                    <a:shade val="50000"/>
+                  </a:schemeClr>
+                </a:lnRef>
+                <a:fillRef idx="1">
+                  <a:schemeClr val="accent1"/>
+                </a:fillRef>
+                <a:effectRef idx="0">
+                  <a:schemeClr val="accent1"/>
+                </a:effectRef>
+                <a:fontRef idx="minor">
+                  <a:schemeClr val="lt1"/>
+                </a:fontRef>
+              </p:style>
+              <p:txBody>
+                <a:bodyPr rtlCol="0" anchor="ctr"/>
+                <a:lstStyle/>
+                <a:p>
+                  <a:pPr algn="ctr"/>
+                  <a:endParaRPr lang="en-US"/>
+                </a:p>
+              </p:txBody>
+            </p:sp>
+          </p:grpSp>
+          <p:grpSp>
+            <p:nvGrpSpPr>
+              <p:cNvPr id="52" name="Group 34"/>
+              <p:cNvGrpSpPr/>
+              <p:nvPr/>
+            </p:nvGrpSpPr>
+            <p:grpSpPr>
+              <a:xfrm>
+                <a:off x="844251" y="1203598"/>
+                <a:ext cx="1460105" cy="828675"/>
+                <a:chOff x="5740795" y="4437112"/>
+                <a:chExt cx="1460105" cy="828675"/>
+              </a:xfrm>
+            </p:grpSpPr>
+            <p:pic>
+              <p:nvPicPr>
+                <p:cNvPr id="80" name="Picture 5" descr="E:\GitHub\Thesis\Chapter4_MultiAPR\Chapter4Figs\Training\pulse2.png"/>
+                <p:cNvPicPr>
+                  <a:picLocks noChangeAspect="1" noChangeArrowheads="1"/>
+                </p:cNvPicPr>
+                <p:nvPr/>
+              </p:nvPicPr>
+              <p:blipFill>
+                <a:blip r:embed="rId3" cstate="print"/>
+                <a:srcRect l="2882" r="23434"/>
+                <a:stretch>
+                  <a:fillRect/>
+                </a:stretch>
+              </p:blipFill>
+              <p:spPr bwMode="auto">
+                <a:xfrm>
+                  <a:off x="6056908" y="4437112"/>
+                  <a:ext cx="1143992" cy="828675"/>
+                </a:xfrm>
+                <a:prstGeom prst="rect">
+                  <a:avLst/>
+                </a:prstGeom>
+                <a:noFill/>
+              </p:spPr>
+            </p:pic>
+            <p:pic>
+              <p:nvPicPr>
+                <p:cNvPr id="81" name="Picture 5" descr="E:\GitHub\Thesis\Chapter4_MultiAPR\Chapter4Figs\Training\pulse2.png"/>
+                <p:cNvPicPr>
+                  <a:picLocks noChangeAspect="1" noChangeArrowheads="1"/>
+                </p:cNvPicPr>
+                <p:nvPr/>
+              </p:nvPicPr>
+              <p:blipFill>
+                <a:blip r:embed="rId3" cstate="print"/>
+                <a:srcRect l="90855" r="4845"/>
+                <a:stretch>
+                  <a:fillRect/>
+                </a:stretch>
+              </p:blipFill>
+              <p:spPr bwMode="auto">
+                <a:xfrm>
+                  <a:off x="6005508" y="4437112"/>
+                  <a:ext cx="66755" cy="828675"/>
+                </a:xfrm>
+                <a:prstGeom prst="rect">
+                  <a:avLst/>
+                </a:prstGeom>
+                <a:noFill/>
+              </p:spPr>
+            </p:pic>
+            <p:pic>
+              <p:nvPicPr>
+                <p:cNvPr id="82" name="Picture 5" descr="E:\GitHub\Thesis\Chapter4_MultiAPR\Chapter4Figs\Training\pulse2.png"/>
+                <p:cNvPicPr>
+                  <a:picLocks noChangeAspect="1" noChangeArrowheads="1"/>
+                </p:cNvPicPr>
+                <p:nvPr/>
+              </p:nvPicPr>
+              <p:blipFill>
+                <a:blip r:embed="rId3" cstate="print"/>
+                <a:srcRect l="90855" r="4845"/>
+                <a:stretch>
+                  <a:fillRect/>
+                </a:stretch>
+              </p:blipFill>
+              <p:spPr bwMode="auto">
+                <a:xfrm>
+                  <a:off x="5940152" y="4437112"/>
+                  <a:ext cx="66755" cy="828675"/>
+                </a:xfrm>
+                <a:prstGeom prst="rect">
+                  <a:avLst/>
+                </a:prstGeom>
+                <a:noFill/>
+              </p:spPr>
+            </p:pic>
+            <p:pic>
+              <p:nvPicPr>
+                <p:cNvPr id="83" name="Picture 5" descr="E:\GitHub\Thesis\Chapter4_MultiAPR\Chapter4Figs\Training\pulse2.png"/>
+                <p:cNvPicPr>
+                  <a:picLocks noChangeAspect="1" noChangeArrowheads="1"/>
+                </p:cNvPicPr>
+                <p:nvPr/>
+              </p:nvPicPr>
+              <p:blipFill>
+                <a:blip r:embed="rId3" cstate="print"/>
+                <a:srcRect l="90855" r="4845"/>
+                <a:stretch>
+                  <a:fillRect/>
+                </a:stretch>
+              </p:blipFill>
+              <p:spPr bwMode="auto">
+                <a:xfrm>
+                  <a:off x="5872906" y="4437112"/>
+                  <a:ext cx="66755" cy="828675"/>
+                </a:xfrm>
+                <a:prstGeom prst="rect">
+                  <a:avLst/>
+                </a:prstGeom>
+                <a:noFill/>
+              </p:spPr>
+            </p:pic>
+            <p:pic>
+              <p:nvPicPr>
+                <p:cNvPr id="84" name="Picture 5" descr="E:\GitHub\Thesis\Chapter4_MultiAPR\Chapter4Figs\Training\pulse2.png"/>
+                <p:cNvPicPr>
+                  <a:picLocks noChangeAspect="1" noChangeArrowheads="1"/>
+                </p:cNvPicPr>
+                <p:nvPr/>
+              </p:nvPicPr>
+              <p:blipFill>
+                <a:blip r:embed="rId3" cstate="print"/>
+                <a:srcRect l="90855" r="4845"/>
+                <a:stretch>
+                  <a:fillRect/>
+                </a:stretch>
+              </p:blipFill>
+              <p:spPr bwMode="auto">
+                <a:xfrm>
+                  <a:off x="5805660" y="4437112"/>
+                  <a:ext cx="66755" cy="828675"/>
+                </a:xfrm>
+                <a:prstGeom prst="rect">
+                  <a:avLst/>
+                </a:prstGeom>
+                <a:noFill/>
+              </p:spPr>
+            </p:pic>
+            <p:pic>
+              <p:nvPicPr>
+                <p:cNvPr id="85" name="Picture 5" descr="E:\GitHub\Thesis\Chapter4_MultiAPR\Chapter4Figs\Training\pulse2.png"/>
+                <p:cNvPicPr>
+                  <a:picLocks noChangeAspect="1" noChangeArrowheads="1"/>
+                </p:cNvPicPr>
+                <p:nvPr/>
+              </p:nvPicPr>
+              <p:blipFill>
+                <a:blip r:embed="rId3" cstate="print"/>
+                <a:srcRect l="90855" r="4845"/>
+                <a:stretch>
+                  <a:fillRect/>
+                </a:stretch>
+              </p:blipFill>
+              <p:spPr bwMode="auto">
+                <a:xfrm>
+                  <a:off x="5740795" y="4437112"/>
+                  <a:ext cx="66755" cy="828675"/>
+                </a:xfrm>
+                <a:prstGeom prst="rect">
+                  <a:avLst/>
+                </a:prstGeom>
+                <a:noFill/>
+              </p:spPr>
+            </p:pic>
+          </p:grpSp>
+          <p:grpSp>
+            <p:nvGrpSpPr>
+              <p:cNvPr id="53" name="Group 28"/>
+              <p:cNvGrpSpPr/>
+              <p:nvPr/>
+            </p:nvGrpSpPr>
+            <p:grpSpPr>
+              <a:xfrm>
+                <a:off x="852537" y="2565276"/>
+                <a:ext cx="1432769" cy="676275"/>
+                <a:chOff x="5633640" y="5445224"/>
+                <a:chExt cx="1432769" cy="676275"/>
+              </a:xfrm>
+            </p:grpSpPr>
+            <p:pic>
+              <p:nvPicPr>
+                <p:cNvPr id="54" name="Picture 6" descr="E:\GitHub\Thesis\Chapter4_MultiAPR\Chapter4Figs\Training\pulse3.png"/>
+                <p:cNvPicPr>
+                  <a:picLocks noChangeAspect="1" noChangeArrowheads="1"/>
+                </p:cNvPicPr>
+                <p:nvPr/>
+              </p:nvPicPr>
+              <p:blipFill>
+                <a:blip r:embed="rId4" cstate="print"/>
+                <a:srcRect r="14072"/>
+                <a:stretch>
+                  <a:fillRect/>
+                </a:stretch>
+              </p:blipFill>
+              <p:spPr bwMode="auto">
+                <a:xfrm>
+                  <a:off x="5724128" y="5445224"/>
+                  <a:ext cx="1342281" cy="676275"/>
+                </a:xfrm>
+                <a:prstGeom prst="rect">
+                  <a:avLst/>
+                </a:prstGeom>
+                <a:noFill/>
+              </p:spPr>
+            </p:pic>
+            <p:pic>
+              <p:nvPicPr>
+                <p:cNvPr id="55" name="Picture 6" descr="E:\GitHub\Thesis\Chapter4_MultiAPR\Chapter4Figs\Training\pulse3.png"/>
+                <p:cNvPicPr>
+                  <a:picLocks noChangeAspect="1" noChangeArrowheads="1"/>
+                </p:cNvPicPr>
+                <p:nvPr/>
+              </p:nvPicPr>
+              <p:blipFill>
+                <a:blip r:embed="rId4" cstate="print"/>
+                <a:srcRect l="90122" r="4085"/>
+                <a:stretch>
+                  <a:fillRect/>
+                </a:stretch>
+              </p:blipFill>
+              <p:spPr bwMode="auto">
+                <a:xfrm>
+                  <a:off x="5705648" y="5445224"/>
+                  <a:ext cx="90488" cy="676275"/>
+                </a:xfrm>
+                <a:prstGeom prst="rect">
+                  <a:avLst/>
+                </a:prstGeom>
+                <a:noFill/>
+              </p:spPr>
+            </p:pic>
+            <p:pic>
+              <p:nvPicPr>
+                <p:cNvPr id="56" name="Picture 6" descr="E:\GitHub\Thesis\Chapter4_MultiAPR\Chapter4Figs\Training\pulse3.png"/>
+                <p:cNvPicPr>
+                  <a:picLocks noChangeAspect="1" noChangeArrowheads="1"/>
+                </p:cNvPicPr>
+                <p:nvPr/>
+              </p:nvPicPr>
+              <p:blipFill>
+                <a:blip r:embed="rId4" cstate="print"/>
+                <a:srcRect l="90122" r="4085"/>
+                <a:stretch>
+                  <a:fillRect/>
+                </a:stretch>
+              </p:blipFill>
+              <p:spPr bwMode="auto">
+                <a:xfrm>
+                  <a:off x="5633640" y="5445224"/>
+                  <a:ext cx="90488" cy="676275"/>
+                </a:xfrm>
+                <a:prstGeom prst="rect">
+                  <a:avLst/>
+                </a:prstGeom>
+                <a:noFill/>
+              </p:spPr>
+            </p:pic>
+          </p:grpSp>
+        </p:grpSp>
+        <p:sp>
+          <p:nvSpPr>
+            <p:cNvPr id="107" name="Rectangle 106"/>
+            <p:cNvSpPr/>
+            <p:nvPr/>
+          </p:nvSpPr>
+          <p:spPr>
+            <a:xfrm>
+              <a:off x="862639" y="3563492"/>
+              <a:ext cx="406192" cy="262548"/>
+            </a:xfrm>
+            <a:prstGeom prst="rect">
+              <a:avLst/>
+            </a:prstGeom>
+            <a:solidFill>
+              <a:schemeClr val="bg1"/>
+            </a:solidFill>
+            <a:ln w="12700">
+              <a:solidFill>
+                <a:schemeClr val="tx1"/>
+              </a:solidFill>
+            </a:ln>
+          </p:spPr>
+          <p:style>
+            <a:lnRef idx="2">
+              <a:schemeClr val="accent1">
+                <a:shade val="50000"/>
+              </a:schemeClr>
+            </a:lnRef>
+            <a:fillRef idx="1">
+              <a:schemeClr val="accent1"/>
+            </a:fillRef>
+            <a:effectRef idx="0">
+              <a:schemeClr val="accent1"/>
+            </a:effectRef>
+            <a:fontRef idx="minor">
+              <a:schemeClr val="lt1"/>
+            </a:fontRef>
+          </p:style>
+          <p:txBody>
+            <a:bodyPr rtlCol="0" anchor="ctr"/>
+            <a:lstStyle/>
+            <a:p>
+              <a:pPr algn="ctr"/>
+              <a:endParaRPr lang="en-US"/>
+            </a:p>
+          </p:txBody>
+        </p:sp>
+      </p:grpSp>
+      <p:grpSp>
+        <p:nvGrpSpPr>
+          <p:cNvPr id="109" name="Group 108"/>
+          <p:cNvGrpSpPr/>
+          <p:nvPr/>
+        </p:nvGrpSpPr>
+        <p:grpSpPr>
+          <a:xfrm>
+            <a:off x="539552" y="332656"/>
+            <a:ext cx="1800200" cy="3168352"/>
+            <a:chOff x="683568" y="332656"/>
+            <a:chExt cx="1800200" cy="3168352"/>
+          </a:xfrm>
+        </p:grpSpPr>
+        <p:grpSp>
+          <p:nvGrpSpPr>
+            <p:cNvPr id="47" name="Group 46"/>
+            <p:cNvGrpSpPr/>
+            <p:nvPr/>
+          </p:nvGrpSpPr>
+          <p:grpSpPr>
+            <a:xfrm>
+              <a:off x="683568" y="332656"/>
+              <a:ext cx="1800200" cy="3168352"/>
+              <a:chOff x="683568" y="332656"/>
+              <a:chExt cx="1800200" cy="3168352"/>
+            </a:xfrm>
+          </p:grpSpPr>
+          <p:sp>
+            <p:nvSpPr>
+              <p:cNvPr id="43" name="Rectangle 42"/>
+              <p:cNvSpPr/>
+              <p:nvPr/>
+            </p:nvSpPr>
+            <p:spPr>
+              <a:xfrm>
+                <a:off x="683568" y="332656"/>
+                <a:ext cx="1800200" cy="3168352"/>
+              </a:xfrm>
+              <a:prstGeom prst="rect">
+                <a:avLst/>
+              </a:prstGeom>
+              <a:solidFill>
+                <a:schemeClr val="bg1"/>
+              </a:solidFill>
+              <a:ln>
+                <a:solidFill>
+                  <a:schemeClr val="tx1"/>
+                </a:solidFill>
+              </a:ln>
+            </p:spPr>
+            <p:style>
+              <a:lnRef idx="2">
+                <a:schemeClr val="accent1">
+                  <a:shade val="50000"/>
+                </a:schemeClr>
+              </a:lnRef>
+              <a:fillRef idx="1">
+                <a:schemeClr val="accent1"/>
+              </a:fillRef>
+              <a:effectRef idx="0">
+                <a:schemeClr val="accent1"/>
+              </a:effectRef>
+              <a:fontRef idx="minor">
+                <a:schemeClr val="lt1"/>
+              </a:fontRef>
+            </p:style>
+            <p:txBody>
+              <a:bodyPr rtlCol="0" anchor="ctr"/>
+              <a:lstStyle/>
+              <a:p>
+                <a:pPr algn="ctr"/>
+                <a:endParaRPr lang="en-US"/>
+              </a:p>
+            </p:txBody>
+          </p:sp>
+          <p:pic>
+            <p:nvPicPr>
+              <p:cNvPr id="30" name="Picture 4" descr="E:\GitHub\Thesis\Chapter4_MultiAPR\Chapter4Figs\Training\pulse1.png"/>
+              <p:cNvPicPr>
+                <a:picLocks noChangeAspect="1" noChangeArrowheads="1"/>
+              </p:cNvPicPr>
+              <p:nvPr/>
+            </p:nvPicPr>
+            <p:blipFill>
+              <a:blip r:embed="rId2" cstate="print"/>
+              <a:srcRect t="9108"/>
+              <a:stretch>
+                <a:fillRect/>
+              </a:stretch>
+            </p:blipFill>
+            <p:spPr bwMode="auto">
+              <a:xfrm>
+                <a:off x="827584" y="404664"/>
+                <a:ext cx="1495425" cy="718567"/>
+              </a:xfrm>
+              <a:prstGeom prst="rect">
+                <a:avLst/>
+              </a:prstGeom>
+              <a:noFill/>
+            </p:spPr>
+          </p:pic>
+          <p:grpSp>
+            <p:nvGrpSpPr>
+              <p:cNvPr id="57" name="Group 56"/>
+              <p:cNvGrpSpPr/>
+              <p:nvPr/>
+            </p:nvGrpSpPr>
+            <p:grpSpPr>
+              <a:xfrm>
+                <a:off x="1403648" y="2087137"/>
+                <a:ext cx="45719" cy="333751"/>
+                <a:chOff x="1403648" y="2087137"/>
+                <a:chExt cx="45719" cy="333751"/>
+              </a:xfrm>
+            </p:grpSpPr>
+            <p:sp>
+              <p:nvSpPr>
+                <p:cNvPr id="38" name="Oval 37"/>
+                <p:cNvSpPr/>
+                <p:nvPr/>
+              </p:nvSpPr>
+              <p:spPr>
+                <a:xfrm flipH="1" flipV="1">
+                  <a:off x="1403648" y="2087137"/>
+                  <a:ext cx="45719" cy="45719"/>
+                </a:xfrm>
+                <a:prstGeom prst="ellipse">
+                  <a:avLst/>
+                </a:prstGeom>
+                <a:solidFill>
+                  <a:schemeClr val="tx1"/>
+                </a:solidFill>
+                <a:ln>
+                  <a:noFill/>
+                </a:ln>
+              </p:spPr>
+              <p:style>
+                <a:lnRef idx="2">
+                  <a:schemeClr val="accent1">
+                    <a:shade val="50000"/>
+                  </a:schemeClr>
+                </a:lnRef>
+                <a:fillRef idx="1">
+                  <a:schemeClr val="accent1"/>
+                </a:fillRef>
+                <a:effectRef idx="0">
+                  <a:schemeClr val="accent1"/>
+                </a:effectRef>
+                <a:fontRef idx="minor">
+                  <a:schemeClr val="lt1"/>
+                </a:fontRef>
+              </p:style>
+              <p:txBody>
+                <a:bodyPr rtlCol="0" anchor="ctr"/>
+                <a:lstStyle/>
+                <a:p>
+                  <a:pPr algn="ctr"/>
+                  <a:endParaRPr lang="en-US"/>
+                </a:p>
+              </p:txBody>
+            </p:sp>
+            <p:sp>
+              <p:nvSpPr>
+                <p:cNvPr id="39" name="Oval 38"/>
+                <p:cNvSpPr/>
+                <p:nvPr/>
+              </p:nvSpPr>
+              <p:spPr>
+                <a:xfrm flipH="1" flipV="1">
+                  <a:off x="1403648" y="2231153"/>
+                  <a:ext cx="45719" cy="45719"/>
+                </a:xfrm>
+                <a:prstGeom prst="ellipse">
+                  <a:avLst/>
+                </a:prstGeom>
+                <a:solidFill>
+                  <a:schemeClr val="tx1"/>
+                </a:solidFill>
+                <a:ln>
+                  <a:noFill/>
+                </a:ln>
+              </p:spPr>
+              <p:style>
+                <a:lnRef idx="2">
+                  <a:schemeClr val="accent1">
+                    <a:shade val="50000"/>
+                  </a:schemeClr>
+                </a:lnRef>
+                <a:fillRef idx="1">
+                  <a:schemeClr val="accent1"/>
+                </a:fillRef>
+                <a:effectRef idx="0">
+                  <a:schemeClr val="accent1"/>
+                </a:effectRef>
+                <a:fontRef idx="minor">
+                  <a:schemeClr val="lt1"/>
+                </a:fontRef>
+              </p:style>
+              <p:txBody>
+                <a:bodyPr rtlCol="0" anchor="ctr"/>
+                <a:lstStyle/>
+                <a:p>
+                  <a:pPr algn="ctr"/>
+                  <a:endParaRPr lang="en-US"/>
+                </a:p>
+              </p:txBody>
+            </p:sp>
+            <p:sp>
+              <p:nvSpPr>
+                <p:cNvPr id="40" name="Oval 39"/>
+                <p:cNvSpPr/>
+                <p:nvPr/>
+              </p:nvSpPr>
+              <p:spPr>
+                <a:xfrm flipH="1" flipV="1">
+                  <a:off x="1403648" y="2375169"/>
+                  <a:ext cx="45719" cy="45719"/>
+                </a:xfrm>
+                <a:prstGeom prst="ellipse">
+                  <a:avLst/>
+                </a:prstGeom>
+                <a:solidFill>
+                  <a:schemeClr val="tx1"/>
+                </a:solidFill>
+                <a:ln>
+                  <a:noFill/>
+                </a:ln>
+              </p:spPr>
+              <p:style>
+                <a:lnRef idx="2">
+                  <a:schemeClr val="accent1">
+                    <a:shade val="50000"/>
+                  </a:schemeClr>
+                </a:lnRef>
+                <a:fillRef idx="1">
+                  <a:schemeClr val="accent1"/>
+                </a:fillRef>
+                <a:effectRef idx="0">
+                  <a:schemeClr val="accent1"/>
+                </a:effectRef>
+                <a:fontRef idx="minor">
+                  <a:schemeClr val="lt1"/>
+                </a:fontRef>
+              </p:style>
+              <p:txBody>
+                <a:bodyPr rtlCol="0" anchor="ctr"/>
+                <a:lstStyle/>
+                <a:p>
+                  <a:pPr algn="ctr"/>
+                  <a:endParaRPr lang="en-US"/>
+                </a:p>
+              </p:txBody>
+            </p:sp>
+          </p:grpSp>
+          <p:grpSp>
+            <p:nvGrpSpPr>
+              <p:cNvPr id="5" name="Group 34"/>
+              <p:cNvGrpSpPr/>
+              <p:nvPr/>
+            </p:nvGrpSpPr>
+            <p:grpSpPr>
+              <a:xfrm>
+                <a:off x="844251" y="1203598"/>
+                <a:ext cx="1460105" cy="828675"/>
+                <a:chOff x="5740795" y="4437112"/>
+                <a:chExt cx="1460105" cy="828675"/>
+              </a:xfrm>
+            </p:grpSpPr>
+            <p:pic>
+              <p:nvPicPr>
+                <p:cNvPr id="18" name="Picture 5" descr="E:\GitHub\Thesis\Chapter4_MultiAPR\Chapter4Figs\Training\pulse2.png"/>
+                <p:cNvPicPr>
+                  <a:picLocks noChangeAspect="1" noChangeArrowheads="1"/>
+                </p:cNvPicPr>
+                <p:nvPr/>
+              </p:nvPicPr>
+              <p:blipFill>
+                <a:blip r:embed="rId3" cstate="print"/>
+                <a:srcRect l="2882" r="23434"/>
+                <a:stretch>
+                  <a:fillRect/>
+                </a:stretch>
+              </p:blipFill>
+              <p:spPr bwMode="auto">
+                <a:xfrm>
+                  <a:off x="6056908" y="4437112"/>
+                  <a:ext cx="1143992" cy="828675"/>
+                </a:xfrm>
+                <a:prstGeom prst="rect">
+                  <a:avLst/>
+                </a:prstGeom>
+                <a:noFill/>
+              </p:spPr>
+            </p:pic>
+            <p:pic>
+              <p:nvPicPr>
+                <p:cNvPr id="20" name="Picture 5" descr="E:\GitHub\Thesis\Chapter4_MultiAPR\Chapter4Figs\Training\pulse2.png"/>
+                <p:cNvPicPr>
+                  <a:picLocks noChangeAspect="1" noChangeArrowheads="1"/>
+                </p:cNvPicPr>
+                <p:nvPr/>
+              </p:nvPicPr>
+              <p:blipFill>
+                <a:blip r:embed="rId3" cstate="print"/>
+                <a:srcRect l="90855" r="4845"/>
+                <a:stretch>
+                  <a:fillRect/>
+                </a:stretch>
+              </p:blipFill>
+              <p:spPr bwMode="auto">
+                <a:xfrm>
+                  <a:off x="6005508" y="4437112"/>
+                  <a:ext cx="66755" cy="828675"/>
+                </a:xfrm>
+                <a:prstGeom prst="rect">
+                  <a:avLst/>
+                </a:prstGeom>
+                <a:noFill/>
+              </p:spPr>
+            </p:pic>
+            <p:pic>
+              <p:nvPicPr>
+                <p:cNvPr id="21" name="Picture 5" descr="E:\GitHub\Thesis\Chapter4_MultiAPR\Chapter4Figs\Training\pulse2.png"/>
+                <p:cNvPicPr>
+                  <a:picLocks noChangeAspect="1" noChangeArrowheads="1"/>
+                </p:cNvPicPr>
+                <p:nvPr/>
+              </p:nvPicPr>
+              <p:blipFill>
+                <a:blip r:embed="rId3" cstate="print"/>
+                <a:srcRect l="90855" r="4845"/>
+                <a:stretch>
+                  <a:fillRect/>
+                </a:stretch>
+              </p:blipFill>
+              <p:spPr bwMode="auto">
+                <a:xfrm>
+                  <a:off x="5940152" y="4437112"/>
+                  <a:ext cx="66755" cy="828675"/>
+                </a:xfrm>
+                <a:prstGeom prst="rect">
+                  <a:avLst/>
+                </a:prstGeom>
+                <a:noFill/>
+              </p:spPr>
+            </p:pic>
+            <p:pic>
+              <p:nvPicPr>
+                <p:cNvPr id="22" name="Picture 5" descr="E:\GitHub\Thesis\Chapter4_MultiAPR\Chapter4Figs\Training\pulse2.png"/>
+                <p:cNvPicPr>
+                  <a:picLocks noChangeAspect="1" noChangeArrowheads="1"/>
+                </p:cNvPicPr>
+                <p:nvPr/>
+              </p:nvPicPr>
+              <p:blipFill>
+                <a:blip r:embed="rId3" cstate="print"/>
+                <a:srcRect l="90855" r="4845"/>
+                <a:stretch>
+                  <a:fillRect/>
+                </a:stretch>
+              </p:blipFill>
+              <p:spPr bwMode="auto">
+                <a:xfrm>
+                  <a:off x="5872906" y="4437112"/>
+                  <a:ext cx="66755" cy="828675"/>
+                </a:xfrm>
+                <a:prstGeom prst="rect">
+                  <a:avLst/>
+                </a:prstGeom>
+                <a:noFill/>
+              </p:spPr>
+            </p:pic>
+            <p:pic>
+              <p:nvPicPr>
+                <p:cNvPr id="23" name="Picture 5" descr="E:\GitHub\Thesis\Chapter4_MultiAPR\Chapter4Figs\Training\pulse2.png"/>
+                <p:cNvPicPr>
+                  <a:picLocks noChangeAspect="1" noChangeArrowheads="1"/>
+                </p:cNvPicPr>
+                <p:nvPr/>
+              </p:nvPicPr>
+              <p:blipFill>
+                <a:blip r:embed="rId3" cstate="print"/>
+                <a:srcRect l="90855" r="4845"/>
+                <a:stretch>
+                  <a:fillRect/>
+                </a:stretch>
+              </p:blipFill>
+              <p:spPr bwMode="auto">
+                <a:xfrm>
+                  <a:off x="5805660" y="4437112"/>
+                  <a:ext cx="66755" cy="828675"/>
+                </a:xfrm>
+                <a:prstGeom prst="rect">
+                  <a:avLst/>
+                </a:prstGeom>
+                <a:noFill/>
+              </p:spPr>
+            </p:pic>
+            <p:pic>
+              <p:nvPicPr>
+                <p:cNvPr id="24" name="Picture 5" descr="E:\GitHub\Thesis\Chapter4_MultiAPR\Chapter4Figs\Training\pulse2.png"/>
+                <p:cNvPicPr>
+                  <a:picLocks noChangeAspect="1" noChangeArrowheads="1"/>
+                </p:cNvPicPr>
+                <p:nvPr/>
+              </p:nvPicPr>
+              <p:blipFill>
+                <a:blip r:embed="rId3" cstate="print"/>
+                <a:srcRect l="90855" r="4845"/>
+                <a:stretch>
+                  <a:fillRect/>
+                </a:stretch>
+              </p:blipFill>
+              <p:spPr bwMode="auto">
+                <a:xfrm>
+                  <a:off x="5740795" y="4437112"/>
+                  <a:ext cx="66755" cy="828675"/>
+                </a:xfrm>
+                <a:prstGeom prst="rect">
+                  <a:avLst/>
+                </a:prstGeom>
+                <a:noFill/>
+              </p:spPr>
+            </p:pic>
+          </p:grpSp>
+          <p:grpSp>
+            <p:nvGrpSpPr>
+              <p:cNvPr id="6" name="Group 28"/>
+              <p:cNvGrpSpPr/>
+              <p:nvPr/>
+            </p:nvGrpSpPr>
+            <p:grpSpPr>
+              <a:xfrm>
+                <a:off x="852537" y="2565276"/>
+                <a:ext cx="1432769" cy="676275"/>
+                <a:chOff x="5633640" y="5445224"/>
+                <a:chExt cx="1432769" cy="676275"/>
+              </a:xfrm>
+            </p:grpSpPr>
+            <p:pic>
+              <p:nvPicPr>
+                <p:cNvPr id="26" name="Picture 6" descr="E:\GitHub\Thesis\Chapter4_MultiAPR\Chapter4Figs\Training\pulse3.png"/>
+                <p:cNvPicPr>
+                  <a:picLocks noChangeAspect="1" noChangeArrowheads="1"/>
+                </p:cNvPicPr>
+                <p:nvPr/>
+              </p:nvPicPr>
+              <p:blipFill>
+                <a:blip r:embed="rId4" cstate="print"/>
+                <a:srcRect r="14072"/>
+                <a:stretch>
+                  <a:fillRect/>
+                </a:stretch>
+              </p:blipFill>
+              <p:spPr bwMode="auto">
+                <a:xfrm>
+                  <a:off x="5724128" y="5445224"/>
+                  <a:ext cx="1342281" cy="676275"/>
+                </a:xfrm>
+                <a:prstGeom prst="rect">
+                  <a:avLst/>
+                </a:prstGeom>
+                <a:noFill/>
+              </p:spPr>
+            </p:pic>
+            <p:pic>
+              <p:nvPicPr>
+                <p:cNvPr id="27" name="Picture 6" descr="E:\GitHub\Thesis\Chapter4_MultiAPR\Chapter4Figs\Training\pulse3.png"/>
+                <p:cNvPicPr>
+                  <a:picLocks noChangeAspect="1" noChangeArrowheads="1"/>
+                </p:cNvPicPr>
+                <p:nvPr/>
+              </p:nvPicPr>
+              <p:blipFill>
+                <a:blip r:embed="rId4" cstate="print"/>
+                <a:srcRect l="90122" r="4085"/>
+                <a:stretch>
+                  <a:fillRect/>
+                </a:stretch>
+              </p:blipFill>
+              <p:spPr bwMode="auto">
+                <a:xfrm>
+                  <a:off x="5705648" y="5445224"/>
+                  <a:ext cx="90488" cy="676275"/>
+                </a:xfrm>
+                <a:prstGeom prst="rect">
+                  <a:avLst/>
+                </a:prstGeom>
+                <a:noFill/>
+              </p:spPr>
+            </p:pic>
+            <p:pic>
+              <p:nvPicPr>
+                <p:cNvPr id="28" name="Picture 6" descr="E:\GitHub\Thesis\Chapter4_MultiAPR\Chapter4Figs\Training\pulse3.png"/>
+                <p:cNvPicPr>
+                  <a:picLocks noChangeAspect="1" noChangeArrowheads="1"/>
+                </p:cNvPicPr>
+                <p:nvPr/>
+              </p:nvPicPr>
+              <p:blipFill>
+                <a:blip r:embed="rId4" cstate="print"/>
+                <a:srcRect l="90122" r="4085"/>
+                <a:stretch>
+                  <a:fillRect/>
+                </a:stretch>
+              </p:blipFill>
+              <p:spPr bwMode="auto">
+                <a:xfrm>
+                  <a:off x="5633640" y="5445224"/>
+                  <a:ext cx="90488" cy="676275"/>
+                </a:xfrm>
+                <a:prstGeom prst="rect">
+                  <a:avLst/>
+                </a:prstGeom>
+                <a:noFill/>
+              </p:spPr>
+            </p:pic>
+          </p:grpSp>
+        </p:grpSp>
+        <p:sp>
+          <p:nvSpPr>
+            <p:cNvPr id="108" name="Rectangle 107"/>
+            <p:cNvSpPr/>
+            <p:nvPr/>
+          </p:nvSpPr>
+          <p:spPr>
+            <a:xfrm>
+              <a:off x="715333" y="3205356"/>
+              <a:ext cx="406192" cy="262548"/>
+            </a:xfrm>
+            <a:prstGeom prst="rect">
+              <a:avLst/>
+            </a:prstGeom>
+            <a:solidFill>
+              <a:schemeClr val="bg1"/>
+            </a:solidFill>
+            <a:ln w="12700">
+              <a:solidFill>
+                <a:schemeClr val="tx1"/>
+              </a:solidFill>
+            </a:ln>
+          </p:spPr>
+          <p:style>
+            <a:lnRef idx="2">
+              <a:schemeClr val="accent1">
+                <a:shade val="50000"/>
+              </a:schemeClr>
+            </a:lnRef>
+            <a:fillRef idx="1">
+              <a:schemeClr val="accent1"/>
+            </a:fillRef>
+            <a:effectRef idx="0">
+              <a:schemeClr val="accent1"/>
+            </a:effectRef>
+            <a:fontRef idx="minor">
+              <a:schemeClr val="lt1"/>
+            </a:fontRef>
+          </p:style>
+          <p:txBody>
+            <a:bodyPr rtlCol="0" anchor="ctr"/>
+            <a:lstStyle/>
+            <a:p>
+              <a:pPr algn="ctr"/>
+              <a:endParaRPr lang="en-US"/>
+            </a:p>
+          </p:txBody>
+        </p:sp>
+      </p:grpSp>
+      <p:grpSp>
+        <p:nvGrpSpPr>
+          <p:cNvPr id="125" name="Group 124"/>
+          <p:cNvGrpSpPr/>
+          <p:nvPr/>
+        </p:nvGrpSpPr>
+        <p:grpSpPr>
+          <a:xfrm>
+            <a:off x="755576" y="3861048"/>
+            <a:ext cx="45719" cy="333751"/>
+            <a:chOff x="1403648" y="2087137"/>
+            <a:chExt cx="45719" cy="333751"/>
+          </a:xfrm>
+        </p:grpSpPr>
+        <p:sp>
+          <p:nvSpPr>
+            <p:cNvPr id="126" name="Oval 125"/>
+            <p:cNvSpPr/>
+            <p:nvPr/>
+          </p:nvSpPr>
+          <p:spPr>
+            <a:xfrm flipH="1" flipV="1">
+              <a:off x="1403648" y="2087137"/>
+              <a:ext cx="45719" cy="45719"/>
+            </a:xfrm>
+            <a:prstGeom prst="ellipse">
+              <a:avLst/>
+            </a:prstGeom>
+            <a:solidFill>
+              <a:schemeClr val="tx1"/>
+            </a:solidFill>
+            <a:ln>
+              <a:noFill/>
+            </a:ln>
+          </p:spPr>
+          <p:style>
+            <a:lnRef idx="2">
+              <a:schemeClr val="accent1">
+                <a:shade val="50000"/>
+              </a:schemeClr>
+            </a:lnRef>
+            <a:fillRef idx="1">
+              <a:schemeClr val="accent1"/>
+            </a:fillRef>
+            <a:effectRef idx="0">
+              <a:schemeClr val="accent1"/>
+            </a:effectRef>
+            <a:fontRef idx="minor">
+              <a:schemeClr val="lt1"/>
+            </a:fontRef>
+          </p:style>
+          <p:txBody>
+            <a:bodyPr rtlCol="0" anchor="ctr"/>
+            <a:lstStyle/>
+            <a:p>
+              <a:pPr algn="ctr"/>
+              <a:endParaRPr lang="en-US"/>
+            </a:p>
+          </p:txBody>
+        </p:sp>
+        <p:sp>
+          <p:nvSpPr>
+            <p:cNvPr id="127" name="Oval 126"/>
+            <p:cNvSpPr/>
+            <p:nvPr/>
+          </p:nvSpPr>
+          <p:spPr>
+            <a:xfrm flipH="1" flipV="1">
+              <a:off x="1403648" y="2231153"/>
+              <a:ext cx="45719" cy="45719"/>
+            </a:xfrm>
+            <a:prstGeom prst="ellipse">
+              <a:avLst/>
+            </a:prstGeom>
+            <a:solidFill>
+              <a:schemeClr val="tx1"/>
+            </a:solidFill>
+            <a:ln>
+              <a:noFill/>
+            </a:ln>
+          </p:spPr>
+          <p:style>
+            <a:lnRef idx="2">
+              <a:schemeClr val="accent1">
+                <a:shade val="50000"/>
+              </a:schemeClr>
+            </a:lnRef>
+            <a:fillRef idx="1">
+              <a:schemeClr val="accent1"/>
+            </a:fillRef>
+            <a:effectRef idx="0">
+              <a:schemeClr val="accent1"/>
+            </a:effectRef>
+            <a:fontRef idx="minor">
+              <a:schemeClr val="lt1"/>
+            </a:fontRef>
+          </p:style>
+          <p:txBody>
+            <a:bodyPr rtlCol="0" anchor="ctr"/>
+            <a:lstStyle/>
+            <a:p>
+              <a:pPr algn="ctr"/>
+              <a:endParaRPr lang="en-US"/>
+            </a:p>
+          </p:txBody>
+        </p:sp>
+        <p:sp>
+          <p:nvSpPr>
+            <p:cNvPr id="128" name="Oval 127"/>
+            <p:cNvSpPr/>
+            <p:nvPr/>
+          </p:nvSpPr>
+          <p:spPr>
+            <a:xfrm flipH="1" flipV="1">
+              <a:off x="1403648" y="2375169"/>
+              <a:ext cx="45719" cy="45719"/>
+            </a:xfrm>
+            <a:prstGeom prst="ellipse">
+              <a:avLst/>
+            </a:prstGeom>
+            <a:solidFill>
+              <a:schemeClr val="tx1"/>
+            </a:solidFill>
+            <a:ln>
+              <a:noFill/>
+            </a:ln>
+          </p:spPr>
+          <p:style>
+            <a:lnRef idx="2">
+              <a:schemeClr val="accent1">
+                <a:shade val="50000"/>
+              </a:schemeClr>
+            </a:lnRef>
+            <a:fillRef idx="1">
+              <a:schemeClr val="accent1"/>
+            </a:fillRef>
+            <a:effectRef idx="0">
+              <a:schemeClr val="accent1"/>
+            </a:effectRef>
+            <a:fontRef idx="minor">
+              <a:schemeClr val="lt1"/>
+            </a:fontRef>
+          </p:style>
+          <p:txBody>
+            <a:bodyPr rtlCol="0" anchor="ctr"/>
+            <a:lstStyle/>
+            <a:p>
+              <a:pPr algn="ctr"/>
+              <a:endParaRPr lang="en-US"/>
+            </a:p>
+          </p:txBody>
+        </p:sp>
+      </p:grpSp>
     </p:spTree>
   </p:cSld>
   <p:clrMapOvr>
